--- a/Creditcard_Fraud_Detection.pptx
+++ b/Creditcard_Fraud_Detection.pptx
@@ -290,6 +290,7 @@
           <a:p>
             <a:fld id="{C9CC8BDE-7745-41AB-A715-BFC0522DE4D9}" type="datetimeFigureOut">
               <a:rPr lang="en-US" smtClean="0"/>
+              <a:pPr/>
               <a:t>12/13/2020</a:t>
             </a:fld>
             <a:endParaRPr lang="en-IN"/>
@@ -332,6 +333,7 @@
           <a:p>
             <a:fld id="{D8DB7950-4BC8-4CCD-93A6-637B69FB8710}" type="slidenum">
               <a:rPr lang="en-IN" smtClean="0"/>
+              <a:pPr/>
               <a:t>‹#›</a:t>
             </a:fld>
             <a:endParaRPr lang="en-IN"/>
@@ -455,6 +457,7 @@
           <a:p>
             <a:fld id="{C9CC8BDE-7745-41AB-A715-BFC0522DE4D9}" type="datetimeFigureOut">
               <a:rPr lang="en-US" smtClean="0"/>
+              <a:pPr/>
               <a:t>12/13/2020</a:t>
             </a:fld>
             <a:endParaRPr lang="en-IN"/>
@@ -497,6 +500,7 @@
           <a:p>
             <a:fld id="{D8DB7950-4BC8-4CCD-93A6-637B69FB8710}" type="slidenum">
               <a:rPr lang="en-IN" smtClean="0"/>
+              <a:pPr/>
               <a:t>‹#›</a:t>
             </a:fld>
             <a:endParaRPr lang="en-IN"/>
@@ -630,6 +634,7 @@
           <a:p>
             <a:fld id="{C9CC8BDE-7745-41AB-A715-BFC0522DE4D9}" type="datetimeFigureOut">
               <a:rPr lang="en-US" smtClean="0"/>
+              <a:pPr/>
               <a:t>12/13/2020</a:t>
             </a:fld>
             <a:endParaRPr lang="en-IN"/>
@@ -672,6 +677,7 @@
           <a:p>
             <a:fld id="{D8DB7950-4BC8-4CCD-93A6-637B69FB8710}" type="slidenum">
               <a:rPr lang="en-IN" smtClean="0"/>
+              <a:pPr/>
               <a:t>‹#›</a:t>
             </a:fld>
             <a:endParaRPr lang="en-IN"/>
@@ -718,7 +724,7 @@
           <p:cNvPr id="41" name="Picture Placeholder 40">
             <a:extLst>
               <a:ext uri="{FF2B5EF4-FFF2-40B4-BE49-F238E27FC236}">
-                <a16:creationId xmlns:a16="http://schemas.microsoft.com/office/drawing/2014/main" xmlns="" id="{EB7F0EE8-BE52-4A79-8FC8-4A2487FA01FC}"/>
+                <a16:creationId xmlns="" xmlns:a16="http://schemas.microsoft.com/office/drawing/2014/main" id="{EB7F0EE8-BE52-4A79-8FC8-4A2487FA01FC}"/>
               </a:ext>
             </a:extLst>
           </p:cNvPr>
@@ -764,7 +770,7 @@
           <p:cNvPr id="2" name="Title 1">
             <a:extLst>
               <a:ext uri="{FF2B5EF4-FFF2-40B4-BE49-F238E27FC236}">
-                <a16:creationId xmlns:a16="http://schemas.microsoft.com/office/drawing/2014/main" xmlns="" id="{00F23EB7-E336-46EB-A4A0-3DB7A6BF4CE1}"/>
+                <a16:creationId xmlns="" xmlns:a16="http://schemas.microsoft.com/office/drawing/2014/main" id="{00F23EB7-E336-46EB-A4A0-3DB7A6BF4CE1}"/>
               </a:ext>
             </a:extLst>
           </p:cNvPr>
@@ -807,7 +813,7 @@
           <p:cNvPr id="3" name="Subtitle 2">
             <a:extLst>
               <a:ext uri="{FF2B5EF4-FFF2-40B4-BE49-F238E27FC236}">
-                <a16:creationId xmlns:a16="http://schemas.microsoft.com/office/drawing/2014/main" xmlns="" id="{C9980B88-3F4A-4688-9ED0-17EF37E62D93}"/>
+                <a16:creationId xmlns="" xmlns:a16="http://schemas.microsoft.com/office/drawing/2014/main" id="{C9980B88-3F4A-4688-9ED0-17EF37E62D93}"/>
               </a:ext>
             </a:extLst>
           </p:cNvPr>
@@ -858,7 +864,7 @@
           <p:cNvPr id="13" name="Rectangle 12">
             <a:extLst>
               <a:ext uri="{FF2B5EF4-FFF2-40B4-BE49-F238E27FC236}">
-                <a16:creationId xmlns:a16="http://schemas.microsoft.com/office/drawing/2014/main" xmlns="" id="{EC0FBB1B-4F0E-4365-BF27-3150FC6C3B90}"/>
+                <a16:creationId xmlns="" xmlns:a16="http://schemas.microsoft.com/office/drawing/2014/main" id="{EC0FBB1B-4F0E-4365-BF27-3150FC6C3B90}"/>
               </a:ext>
             </a:extLst>
           </p:cNvPr>
@@ -912,7 +918,7 @@
           <p:cNvPr id="14" name="Rectangle 13">
             <a:extLst>
               <a:ext uri="{FF2B5EF4-FFF2-40B4-BE49-F238E27FC236}">
-                <a16:creationId xmlns:a16="http://schemas.microsoft.com/office/drawing/2014/main" xmlns="" id="{7A13D8A8-6C3D-4527-959D-41C3213F7F02}"/>
+                <a16:creationId xmlns="" xmlns:a16="http://schemas.microsoft.com/office/drawing/2014/main" id="{7A13D8A8-6C3D-4527-959D-41C3213F7F02}"/>
               </a:ext>
             </a:extLst>
           </p:cNvPr>
@@ -964,7 +970,7 @@
           <p:cNvPr id="15" name="Rectangle 14">
             <a:extLst>
               <a:ext uri="{FF2B5EF4-FFF2-40B4-BE49-F238E27FC236}">
-                <a16:creationId xmlns:a16="http://schemas.microsoft.com/office/drawing/2014/main" xmlns="" id="{9504A767-1C0B-484E-BF7D-CD42D30A52EE}"/>
+                <a16:creationId xmlns="" xmlns:a16="http://schemas.microsoft.com/office/drawing/2014/main" id="{9504A767-1C0B-484E-BF7D-CD42D30A52EE}"/>
               </a:ext>
             </a:extLst>
           </p:cNvPr>
@@ -1016,7 +1022,7 @@
           <p:cNvPr id="8" name="Rectangle 7">
             <a:extLst>
               <a:ext uri="{FF2B5EF4-FFF2-40B4-BE49-F238E27FC236}">
-                <a16:creationId xmlns:a16="http://schemas.microsoft.com/office/drawing/2014/main" xmlns="" id="{51DD44D8-4A8F-4693-B90A-166855B29D25}"/>
+                <a16:creationId xmlns="" xmlns:a16="http://schemas.microsoft.com/office/drawing/2014/main" id="{51DD44D8-4A8F-4693-B90A-166855B29D25}"/>
               </a:ext>
             </a:extLst>
           </p:cNvPr>
@@ -1063,7 +1069,7 @@
     </p:spTree>
     <p:extLst>
       <p:ext uri="{BB962C8B-B14F-4D97-AF65-F5344CB8AC3E}">
-        <p14:creationId xmlns:p14="http://schemas.microsoft.com/office/powerpoint/2010/main" xmlns="" val="1334038435"/>
+        <p14:creationId xmlns="" xmlns:p14="http://schemas.microsoft.com/office/powerpoint/2010/main" val="1334038435"/>
       </p:ext>
     </p:extLst>
   </p:cSld>
@@ -1095,7 +1101,7 @@
           <p:cNvPr id="2" name="Title 1">
             <a:extLst>
               <a:ext uri="{FF2B5EF4-FFF2-40B4-BE49-F238E27FC236}">
-                <a16:creationId xmlns:a16="http://schemas.microsoft.com/office/drawing/2014/main" xmlns="" id="{3F288DD7-6DAF-436D-B04A-EBCCAA36917C}"/>
+                <a16:creationId xmlns="" xmlns:a16="http://schemas.microsoft.com/office/drawing/2014/main" id="{3F288DD7-6DAF-436D-B04A-EBCCAA36917C}"/>
               </a:ext>
             </a:extLst>
           </p:cNvPr>
@@ -1139,7 +1145,7 @@
           <p:cNvPr id="9" name="Subtitle 2">
             <a:extLst>
               <a:ext uri="{FF2B5EF4-FFF2-40B4-BE49-F238E27FC236}">
-                <a16:creationId xmlns:a16="http://schemas.microsoft.com/office/drawing/2014/main" xmlns="" id="{E4633398-8EC3-417B-BEA6-101D8F224678}"/>
+                <a16:creationId xmlns="" xmlns:a16="http://schemas.microsoft.com/office/drawing/2014/main" id="{E4633398-8EC3-417B-BEA6-101D8F224678}"/>
               </a:ext>
             </a:extLst>
           </p:cNvPr>
@@ -1194,7 +1200,7 @@
           <p:cNvPr id="3" name="Comparison Left Placeholder 1">
             <a:extLst>
               <a:ext uri="{FF2B5EF4-FFF2-40B4-BE49-F238E27FC236}">
-                <a16:creationId xmlns:a16="http://schemas.microsoft.com/office/drawing/2014/main" xmlns="" id="{9322B50D-6A7D-41C6-BA57-613BC231DF36}"/>
+                <a16:creationId xmlns="" xmlns:a16="http://schemas.microsoft.com/office/drawing/2014/main" id="{9322B50D-6A7D-41C6-BA57-613BC231DF36}"/>
               </a:ext>
             </a:extLst>
           </p:cNvPr>
@@ -1272,7 +1278,7 @@
           <p:cNvPr id="4" name="Content Placeholder 2">
             <a:extLst>
               <a:ext uri="{FF2B5EF4-FFF2-40B4-BE49-F238E27FC236}">
-                <a16:creationId xmlns:a16="http://schemas.microsoft.com/office/drawing/2014/main" xmlns="" id="{9FD584DA-F775-47B8-A1D7-6556AD5FCBD2}"/>
+                <a16:creationId xmlns="" xmlns:a16="http://schemas.microsoft.com/office/drawing/2014/main" id="{9FD584DA-F775-47B8-A1D7-6556AD5FCBD2}"/>
               </a:ext>
             </a:extLst>
           </p:cNvPr>
@@ -1386,7 +1392,7 @@
           <p:cNvPr id="12" name="Comparison Left Placeholder 2">
             <a:extLst>
               <a:ext uri="{FF2B5EF4-FFF2-40B4-BE49-F238E27FC236}">
-                <a16:creationId xmlns:a16="http://schemas.microsoft.com/office/drawing/2014/main" xmlns="" id="{78A963F8-6F6E-440E-B3B3-DDE13C083A36}"/>
+                <a16:creationId xmlns="" xmlns:a16="http://schemas.microsoft.com/office/drawing/2014/main" id="{78A963F8-6F6E-440E-B3B3-DDE13C083A36}"/>
               </a:ext>
             </a:extLst>
           </p:cNvPr>
@@ -1425,7 +1431,7 @@
           <p:cNvPr id="8" name="Text Placeholder 4">
             <a:extLst>
               <a:ext uri="{FF2B5EF4-FFF2-40B4-BE49-F238E27FC236}">
-                <a16:creationId xmlns:a16="http://schemas.microsoft.com/office/drawing/2014/main" xmlns="" id="{DF0A5256-B267-47DA-858A-0F3867CB6139}"/>
+                <a16:creationId xmlns="" xmlns:a16="http://schemas.microsoft.com/office/drawing/2014/main" id="{DF0A5256-B267-47DA-858A-0F3867CB6139}"/>
               </a:ext>
             </a:extLst>
           </p:cNvPr>
@@ -1488,7 +1494,7 @@
           <p:cNvPr id="5" name="Footer Placeholder 4">
             <a:extLst>
               <a:ext uri="{FF2B5EF4-FFF2-40B4-BE49-F238E27FC236}">
-                <a16:creationId xmlns:a16="http://schemas.microsoft.com/office/drawing/2014/main" xmlns="" id="{646B8F99-FAB0-4B33-87ED-9FF46D11A907}"/>
+                <a16:creationId xmlns="" xmlns:a16="http://schemas.microsoft.com/office/drawing/2014/main" id="{646B8F99-FAB0-4B33-87ED-9FF46D11A907}"/>
               </a:ext>
             </a:extLst>
           </p:cNvPr>
@@ -1516,7 +1522,7 @@
           <p:cNvPr id="6" name="Slide Number Placeholder 5">
             <a:extLst>
               <a:ext uri="{FF2B5EF4-FFF2-40B4-BE49-F238E27FC236}">
-                <a16:creationId xmlns:a16="http://schemas.microsoft.com/office/drawing/2014/main" xmlns="" id="{18733E7E-50D2-4F6C-9DF2-CF4C98C4B847}"/>
+                <a16:creationId xmlns="" xmlns:a16="http://schemas.microsoft.com/office/drawing/2014/main" id="{18733E7E-50D2-4F6C-9DF2-CF4C98C4B847}"/>
               </a:ext>
             </a:extLst>
           </p:cNvPr>
@@ -1546,10 +1552,10 @@
           <p:cNvPr id="10" name="Rectangle 9" descr="Accent block left">
             <a:extLst>
               <a:ext uri="{FF2B5EF4-FFF2-40B4-BE49-F238E27FC236}">
-                <a16:creationId xmlns:a16="http://schemas.microsoft.com/office/drawing/2014/main" xmlns="" id="{BBC0CAF5-0DE6-4BEA-824E-124A54A76AC6}"/>
+                <a16:creationId xmlns="" xmlns:a16="http://schemas.microsoft.com/office/drawing/2014/main" id="{BBC0CAF5-0DE6-4BEA-824E-124A54A76AC6}"/>
               </a:ext>
               <a:ext uri="{C183D7F6-B498-43B3-948B-1728B52AA6E4}">
-                <adec:decorative xmlns:adec="http://schemas.microsoft.com/office/drawing/2017/decorative" xmlns="" val="1"/>
+                <adec:decorative xmlns="" xmlns:adec="http://schemas.microsoft.com/office/drawing/2017/decorative" val="1"/>
               </a:ext>
             </a:extLst>
           </p:cNvPr>
@@ -1601,10 +1607,10 @@
           <p:cNvPr id="11" name="Rectangle 10" descr="Accent bar right&#10;">
             <a:extLst>
               <a:ext uri="{FF2B5EF4-FFF2-40B4-BE49-F238E27FC236}">
-                <a16:creationId xmlns:a16="http://schemas.microsoft.com/office/drawing/2014/main" xmlns="" id="{ED008080-B2F5-441A-8B15-30AE86BBF943}"/>
+                <a16:creationId xmlns="" xmlns:a16="http://schemas.microsoft.com/office/drawing/2014/main" id="{ED008080-B2F5-441A-8B15-30AE86BBF943}"/>
               </a:ext>
               <a:ext uri="{C183D7F6-B498-43B3-948B-1728B52AA6E4}">
-                <adec:decorative xmlns:adec="http://schemas.microsoft.com/office/drawing/2017/decorative" xmlns="" val="1"/>
+                <adec:decorative xmlns="" xmlns:adec="http://schemas.microsoft.com/office/drawing/2017/decorative" val="1"/>
               </a:ext>
             </a:extLst>
           </p:cNvPr>
@@ -1654,7 +1660,7 @@
     </p:spTree>
     <p:extLst>
       <p:ext uri="{BB962C8B-B14F-4D97-AF65-F5344CB8AC3E}">
-        <p14:creationId xmlns:p14="http://schemas.microsoft.com/office/powerpoint/2010/main" xmlns="" val="2509955754"/>
+        <p14:creationId xmlns="" xmlns:p14="http://schemas.microsoft.com/office/powerpoint/2010/main" val="2509955754"/>
       </p:ext>
     </p:extLst>
   </p:cSld>
@@ -1773,6 +1779,7 @@
           <a:p>
             <a:fld id="{C9CC8BDE-7745-41AB-A715-BFC0522DE4D9}" type="datetimeFigureOut">
               <a:rPr lang="en-US" smtClean="0"/>
+              <a:pPr/>
               <a:t>12/13/2020</a:t>
             </a:fld>
             <a:endParaRPr lang="en-IN"/>
@@ -1815,6 +1822,7 @@
           <a:p>
             <a:fld id="{D8DB7950-4BC8-4CCD-93A6-637B69FB8710}" type="slidenum">
               <a:rPr lang="en-IN" smtClean="0"/>
+              <a:pPr/>
               <a:t>‹#›</a:t>
             </a:fld>
             <a:endParaRPr lang="en-IN"/>
@@ -2014,6 +2022,7 @@
           <a:p>
             <a:fld id="{C9CC8BDE-7745-41AB-A715-BFC0522DE4D9}" type="datetimeFigureOut">
               <a:rPr lang="en-US" smtClean="0"/>
+              <a:pPr/>
               <a:t>12/13/2020</a:t>
             </a:fld>
             <a:endParaRPr lang="en-IN"/>
@@ -2056,6 +2065,7 @@
           <a:p>
             <a:fld id="{D8DB7950-4BC8-4CCD-93A6-637B69FB8710}" type="slidenum">
               <a:rPr lang="en-IN" smtClean="0"/>
+              <a:pPr/>
               <a:t>‹#›</a:t>
             </a:fld>
             <a:endParaRPr lang="en-IN"/>
@@ -2297,6 +2307,7 @@
           <a:p>
             <a:fld id="{C9CC8BDE-7745-41AB-A715-BFC0522DE4D9}" type="datetimeFigureOut">
               <a:rPr lang="en-US" smtClean="0"/>
+              <a:pPr/>
               <a:t>12/13/2020</a:t>
             </a:fld>
             <a:endParaRPr lang="en-IN"/>
@@ -2339,6 +2350,7 @@
           <a:p>
             <a:fld id="{D8DB7950-4BC8-4CCD-93A6-637B69FB8710}" type="slidenum">
               <a:rPr lang="en-IN" smtClean="0"/>
+              <a:pPr/>
               <a:t>‹#›</a:t>
             </a:fld>
             <a:endParaRPr lang="en-IN"/>
@@ -2714,6 +2726,7 @@
           <a:p>
             <a:fld id="{C9CC8BDE-7745-41AB-A715-BFC0522DE4D9}" type="datetimeFigureOut">
               <a:rPr lang="en-US" smtClean="0"/>
+              <a:pPr/>
               <a:t>12/13/2020</a:t>
             </a:fld>
             <a:endParaRPr lang="en-IN"/>
@@ -2756,6 +2769,7 @@
           <a:p>
             <a:fld id="{D8DB7950-4BC8-4CCD-93A6-637B69FB8710}" type="slidenum">
               <a:rPr lang="en-IN" smtClean="0"/>
+              <a:pPr/>
               <a:t>‹#›</a:t>
             </a:fld>
             <a:endParaRPr lang="en-IN"/>
@@ -2827,6 +2841,7 @@
           <a:p>
             <a:fld id="{C9CC8BDE-7745-41AB-A715-BFC0522DE4D9}" type="datetimeFigureOut">
               <a:rPr lang="en-US" smtClean="0"/>
+              <a:pPr/>
               <a:t>12/13/2020</a:t>
             </a:fld>
             <a:endParaRPr lang="en-IN"/>
@@ -2869,6 +2884,7 @@
           <a:p>
             <a:fld id="{D8DB7950-4BC8-4CCD-93A6-637B69FB8710}" type="slidenum">
               <a:rPr lang="en-IN" smtClean="0"/>
+              <a:pPr/>
               <a:t>‹#›</a:t>
             </a:fld>
             <a:endParaRPr lang="en-IN"/>
@@ -2917,6 +2933,7 @@
           <a:p>
             <a:fld id="{C9CC8BDE-7745-41AB-A715-BFC0522DE4D9}" type="datetimeFigureOut">
               <a:rPr lang="en-US" smtClean="0"/>
+              <a:pPr/>
               <a:t>12/13/2020</a:t>
             </a:fld>
             <a:endParaRPr lang="en-IN"/>
@@ -2959,6 +2976,7 @@
           <a:p>
             <a:fld id="{D8DB7950-4BC8-4CCD-93A6-637B69FB8710}" type="slidenum">
               <a:rPr lang="en-IN" smtClean="0"/>
+              <a:pPr/>
               <a:t>‹#›</a:t>
             </a:fld>
             <a:endParaRPr lang="en-IN"/>
@@ -3189,6 +3207,7 @@
           <a:p>
             <a:fld id="{C9CC8BDE-7745-41AB-A715-BFC0522DE4D9}" type="datetimeFigureOut">
               <a:rPr lang="en-US" smtClean="0"/>
+              <a:pPr/>
               <a:t>12/13/2020</a:t>
             </a:fld>
             <a:endParaRPr lang="en-IN"/>
@@ -3231,6 +3250,7 @@
           <a:p>
             <a:fld id="{D8DB7950-4BC8-4CCD-93A6-637B69FB8710}" type="slidenum">
               <a:rPr lang="en-IN" smtClean="0"/>
+              <a:pPr/>
               <a:t>‹#›</a:t>
             </a:fld>
             <a:endParaRPr lang="en-IN"/>
@@ -3437,6 +3457,7 @@
           <a:p>
             <a:fld id="{C9CC8BDE-7745-41AB-A715-BFC0522DE4D9}" type="datetimeFigureOut">
               <a:rPr lang="en-US" smtClean="0"/>
+              <a:pPr/>
               <a:t>12/13/2020</a:t>
             </a:fld>
             <a:endParaRPr lang="en-IN"/>
@@ -3479,6 +3500,7 @@
           <a:p>
             <a:fld id="{D8DB7950-4BC8-4CCD-93A6-637B69FB8710}" type="slidenum">
               <a:rPr lang="en-IN" smtClean="0"/>
+              <a:pPr/>
               <a:t>‹#›</a:t>
             </a:fld>
             <a:endParaRPr lang="en-IN"/>
@@ -3645,6 +3667,7 @@
           <a:p>
             <a:fld id="{C9CC8BDE-7745-41AB-A715-BFC0522DE4D9}" type="datetimeFigureOut">
               <a:rPr lang="en-US" smtClean="0"/>
+              <a:pPr/>
               <a:t>12/13/2020</a:t>
             </a:fld>
             <a:endParaRPr lang="en-IN"/>
@@ -3723,6 +3746,7 @@
           <a:p>
             <a:fld id="{D8DB7950-4BC8-4CCD-93A6-637B69FB8710}" type="slidenum">
               <a:rPr lang="en-IN" smtClean="0"/>
+              <a:pPr/>
               <a:t>‹#›</a:t>
             </a:fld>
             <a:endParaRPr lang="en-IN"/>
@@ -4022,7 +4046,7 @@
           <p:cNvPr id="12" name="Picture Placeholder 11" descr="Hands coming together in circle">
             <a:extLst>
               <a:ext uri="{FF2B5EF4-FFF2-40B4-BE49-F238E27FC236}">
-                <a16:creationId xmlns:a16="http://schemas.microsoft.com/office/drawing/2014/main" xmlns="" id="{AA8A1CBA-9BB5-2246-9F4B-98EAD7C90158}"/>
+                <a16:creationId xmlns="" xmlns:a16="http://schemas.microsoft.com/office/drawing/2014/main" id="{AA8A1CBA-9BB5-2246-9F4B-98EAD7C90158}"/>
               </a:ext>
             </a:extLst>
           </p:cNvPr>
@@ -4037,7 +4061,7 @@
           <a:blip r:embed="rId2" cstate="screen">
             <a:extLst>
               <a:ext uri="{28A0092B-C50C-407E-A947-70E740481C1C}">
-                <a14:useLocalDpi xmlns:a14="http://schemas.microsoft.com/office/drawing/2010/main" xmlns=""/>
+                <a14:useLocalDpi xmlns="" xmlns:a14="http://schemas.microsoft.com/office/drawing/2010/main"/>
               </a:ext>
             </a:extLst>
           </a:blip>
@@ -4053,7 +4077,7 @@
           <p:cNvPr id="3" name="Title 2">
             <a:extLst>
               <a:ext uri="{FF2B5EF4-FFF2-40B4-BE49-F238E27FC236}">
-                <a16:creationId xmlns:a16="http://schemas.microsoft.com/office/drawing/2014/main" xmlns="" id="{200B3D2B-613A-41BE-987D-E6A1324B456D}"/>
+                <a16:creationId xmlns="" xmlns:a16="http://schemas.microsoft.com/office/drawing/2014/main" id="{200B3D2B-613A-41BE-987D-E6A1324B456D}"/>
               </a:ext>
             </a:extLst>
           </p:cNvPr>
@@ -4082,7 +4106,7 @@
           <p:cNvPr id="4" name="Subtitle 3">
             <a:extLst>
               <a:ext uri="{FF2B5EF4-FFF2-40B4-BE49-F238E27FC236}">
-                <a16:creationId xmlns:a16="http://schemas.microsoft.com/office/drawing/2014/main" xmlns="" id="{4772945D-CA91-4CFE-8EB7-941C7618C994}"/>
+                <a16:creationId xmlns="" xmlns:a16="http://schemas.microsoft.com/office/drawing/2014/main" id="{4772945D-CA91-4CFE-8EB7-941C7618C994}"/>
               </a:ext>
             </a:extLst>
           </p:cNvPr>
@@ -4096,7 +4120,7 @@
         <p:spPr>
           <a:xfrm>
             <a:off x="2400300" y="3045779"/>
-            <a:ext cx="4935141" cy="1597673"/>
+            <a:ext cx="4935141" cy="1954863"/>
           </a:xfrm>
           <a:ln>
             <a:solidFill>
@@ -4109,6 +4133,13 @@
           <a:lstStyle/>
           <a:p>
             <a:r>
+              <a:rPr lang="en-US" sz="2000" b="1" u="sng" dirty="0" smtClean="0"/>
+              <a:t>Team: AI Free Thinkers</a:t>
+            </a:r>
+            <a:endParaRPr lang="en-US" sz="2000" b="1" u="sng" dirty="0" smtClean="0"/>
+          </a:p>
+          <a:p>
+            <a:r>
               <a:rPr lang="en-US" sz="2000" dirty="0" err="1" smtClean="0"/>
               <a:t>Amith</a:t>
             </a:r>
@@ -4164,7 +4195,7 @@
           <p:cNvPr id="51" name="TextBox 50">
             <a:extLst>
               <a:ext uri="{FF2B5EF4-FFF2-40B4-BE49-F238E27FC236}">
-                <a16:creationId xmlns:a16="http://schemas.microsoft.com/office/drawing/2014/main" xmlns="" id="{66C1DE0A-7865-466B-B5D7-781C92357026}"/>
+                <a16:creationId xmlns="" xmlns:a16="http://schemas.microsoft.com/office/drawing/2014/main" id="{66C1DE0A-7865-466B-B5D7-781C92357026}"/>
               </a:ext>
             </a:extLst>
           </p:cNvPr>
@@ -4219,7 +4250,7 @@
     </p:spTree>
     <p:extLst>
       <p:ext uri="{BB962C8B-B14F-4D97-AF65-F5344CB8AC3E}">
-        <p14:creationId xmlns:p14="http://schemas.microsoft.com/office/powerpoint/2010/main" xmlns="" val="3989923275"/>
+        <p14:creationId xmlns="" xmlns:p14="http://schemas.microsoft.com/office/powerpoint/2010/main" val="3989923275"/>
       </p:ext>
     </p:extLst>
   </p:cSld>
@@ -4284,7 +4315,7 @@
           <p:cNvPr id="2" name="Title 1">
             <a:extLst>
               <a:ext uri="{FF2B5EF4-FFF2-40B4-BE49-F238E27FC236}">
-                <a16:creationId xmlns:a16="http://schemas.microsoft.com/office/drawing/2014/main" xmlns="" id="{19304E83-A4F0-49C5-BB01-F5773509A2B3}"/>
+                <a16:creationId xmlns="" xmlns:a16="http://schemas.microsoft.com/office/drawing/2014/main" id="{19304E83-A4F0-49C5-BB01-F5773509A2B3}"/>
               </a:ext>
             </a:extLst>
           </p:cNvPr>
@@ -4304,11 +4335,7 @@
           <a:p>
             <a:r>
               <a:rPr lang="en-US" dirty="0" smtClean="0"/>
-              <a:t>Problem </a:t>
-            </a:r>
-            <a:r>
-              <a:rPr lang="en-US" dirty="0" smtClean="0"/>
-              <a:t>Statement</a:t>
+              <a:t>Problem Statement</a:t>
             </a:r>
             <a:endParaRPr lang="en-US" dirty="0"/>
           </a:p>
@@ -4319,7 +4346,7 @@
           <p:cNvPr id="3" name="Text Placeholder 2">
             <a:extLst>
               <a:ext uri="{FF2B5EF4-FFF2-40B4-BE49-F238E27FC236}">
-                <a16:creationId xmlns:a16="http://schemas.microsoft.com/office/drawing/2014/main" xmlns="" id="{7CA42D59-EAD6-4F95-84F1-32A30F057856}"/>
+                <a16:creationId xmlns="" xmlns:a16="http://schemas.microsoft.com/office/drawing/2014/main" id="{7CA42D59-EAD6-4F95-84F1-32A30F057856}"/>
               </a:ext>
             </a:extLst>
           </p:cNvPr>
@@ -4347,7 +4374,7 @@
           <p:cNvPr id="4" name="Text Placeholder 3">
             <a:extLst>
               <a:ext uri="{FF2B5EF4-FFF2-40B4-BE49-F238E27FC236}">
-                <a16:creationId xmlns:a16="http://schemas.microsoft.com/office/drawing/2014/main" xmlns="" id="{6AB259A0-0017-492F-A0DC-4B70C7052AE0}"/>
+                <a16:creationId xmlns="" xmlns:a16="http://schemas.microsoft.com/office/drawing/2014/main" id="{6AB259A0-0017-492F-A0DC-4B70C7052AE0}"/>
               </a:ext>
             </a:extLst>
           </p:cNvPr>
@@ -4383,7 +4410,7 @@
           <p:cNvPr id="5" name="Content Placeholder 4">
             <a:extLst>
               <a:ext uri="{FF2B5EF4-FFF2-40B4-BE49-F238E27FC236}">
-                <a16:creationId xmlns:a16="http://schemas.microsoft.com/office/drawing/2014/main" xmlns="" id="{CEEB3BAE-C0B2-447C-B8BE-96C6BD84D658}"/>
+                <a16:creationId xmlns="" xmlns:a16="http://schemas.microsoft.com/office/drawing/2014/main" id="{CEEB3BAE-C0B2-447C-B8BE-96C6BD84D658}"/>
               </a:ext>
             </a:extLst>
           </p:cNvPr>
@@ -4434,7 +4461,7 @@
           <p:cNvPr id="6" name="Text Placeholder 5">
             <a:extLst>
               <a:ext uri="{FF2B5EF4-FFF2-40B4-BE49-F238E27FC236}">
-                <a16:creationId xmlns:a16="http://schemas.microsoft.com/office/drawing/2014/main" xmlns="" id="{B237D1CA-B91A-410E-A968-D017BBE99F99}"/>
+                <a16:creationId xmlns="" xmlns:a16="http://schemas.microsoft.com/office/drawing/2014/main" id="{B237D1CA-B91A-410E-A968-D017BBE99F99}"/>
               </a:ext>
             </a:extLst>
           </p:cNvPr>
@@ -4470,7 +4497,7 @@
           <p:cNvPr id="7" name="Text Placeholder 6">
             <a:extLst>
               <a:ext uri="{FF2B5EF4-FFF2-40B4-BE49-F238E27FC236}">
-                <a16:creationId xmlns:a16="http://schemas.microsoft.com/office/drawing/2014/main" xmlns="" id="{26A87885-D672-4CF9-A78D-CFE98385B03A}"/>
+                <a16:creationId xmlns="" xmlns:a16="http://schemas.microsoft.com/office/drawing/2014/main" id="{26A87885-D672-4CF9-A78D-CFE98385B03A}"/>
               </a:ext>
             </a:extLst>
           </p:cNvPr>
@@ -4537,7 +4564,7 @@
           <p:cNvPr id="8" name="Slide Number Placeholder 7">
             <a:extLst>
               <a:ext uri="{FF2B5EF4-FFF2-40B4-BE49-F238E27FC236}">
-                <a16:creationId xmlns:a16="http://schemas.microsoft.com/office/drawing/2014/main" xmlns="" id="{E6AC9832-FB01-464A-9824-61887B77997E}"/>
+                <a16:creationId xmlns="" xmlns:a16="http://schemas.microsoft.com/office/drawing/2014/main" id="{E6AC9832-FB01-464A-9824-61887B77997E}"/>
               </a:ext>
             </a:extLst>
           </p:cNvPr>
@@ -4574,10 +4601,10 @@
           <p:cNvPr id="11" name="Straight Connector 10">
             <a:extLst>
               <a:ext uri="{FF2B5EF4-FFF2-40B4-BE49-F238E27FC236}">
-                <a16:creationId xmlns:a16="http://schemas.microsoft.com/office/drawing/2014/main" xmlns="" id="{5A563457-1EC8-4978-BCCB-AFD88C9ED04C}"/>
+                <a16:creationId xmlns="" xmlns:a16="http://schemas.microsoft.com/office/drawing/2014/main" id="{5A563457-1EC8-4978-BCCB-AFD88C9ED04C}"/>
               </a:ext>
               <a:ext uri="{C183D7F6-B498-43B3-948B-1728B52AA6E4}">
-                <adec:decorative xmlns:adec="http://schemas.microsoft.com/office/drawing/2017/decorative" xmlns="" val="1"/>
+                <adec:decorative xmlns="" xmlns:adec="http://schemas.microsoft.com/office/drawing/2017/decorative" val="1"/>
               </a:ext>
             </a:extLst>
           </p:cNvPr>
@@ -4646,10 +4673,10 @@
           <p:cNvPr id="16" name="Rectangle 15">
             <a:extLst>
               <a:ext uri="{FF2B5EF4-FFF2-40B4-BE49-F238E27FC236}">
-                <a16:creationId xmlns:a16="http://schemas.microsoft.com/office/drawing/2014/main" xmlns="" id="{7F65E93D-09FF-42EE-B9DD-750638966686}"/>
+                <a16:creationId xmlns="" xmlns:a16="http://schemas.microsoft.com/office/drawing/2014/main" id="{7F65E93D-09FF-42EE-B9DD-750638966686}"/>
               </a:ext>
               <a:ext uri="{C183D7F6-B498-43B3-948B-1728B52AA6E4}">
-                <adec:decorative xmlns:adec="http://schemas.microsoft.com/office/drawing/2017/decorative" xmlns="" val="1"/>
+                <adec:decorative xmlns="" xmlns:adec="http://schemas.microsoft.com/office/drawing/2017/decorative" val="1"/>
               </a:ext>
             </a:extLst>
           </p:cNvPr>
@@ -4701,7 +4728,7 @@
           <p:cNvPr id="17" name="Text Placeholder 3">
             <a:extLst>
               <a:ext uri="{FF2B5EF4-FFF2-40B4-BE49-F238E27FC236}">
-                <a16:creationId xmlns:a16="http://schemas.microsoft.com/office/drawing/2014/main" xmlns="" id="{6AB259A0-0017-492F-A0DC-4B70C7052AE0}"/>
+                <a16:creationId xmlns="" xmlns:a16="http://schemas.microsoft.com/office/drawing/2014/main" id="{6AB259A0-0017-492F-A0DC-4B70C7052AE0}"/>
               </a:ext>
             </a:extLst>
           </p:cNvPr>
@@ -4787,7 +4814,7 @@
           <p:cNvPr id="18" name="Content Placeholder 4">
             <a:extLst>
               <a:ext uri="{FF2B5EF4-FFF2-40B4-BE49-F238E27FC236}">
-                <a16:creationId xmlns:a16="http://schemas.microsoft.com/office/drawing/2014/main" xmlns="" id="{CEEB3BAE-C0B2-447C-B8BE-96C6BD84D658}"/>
+                <a16:creationId xmlns="" xmlns:a16="http://schemas.microsoft.com/office/drawing/2014/main" id="{CEEB3BAE-C0B2-447C-B8BE-96C6BD84D658}"/>
               </a:ext>
             </a:extLst>
           </p:cNvPr>
@@ -4896,7 +4923,7 @@
     </p:spTree>
     <p:extLst>
       <p:ext uri="{BB962C8B-B14F-4D97-AF65-F5344CB8AC3E}">
-        <p14:creationId xmlns:p14="http://schemas.microsoft.com/office/powerpoint/2010/main" xmlns="" val="3188837873"/>
+        <p14:creationId xmlns="" xmlns:p14="http://schemas.microsoft.com/office/powerpoint/2010/main" val="3188837873"/>
       </p:ext>
     </p:extLst>
   </p:cSld>
@@ -5092,7 +5119,7 @@
           <p:cNvPr id="9" name="Text Placeholder 6">
             <a:extLst>
               <a:ext uri="{FF2B5EF4-FFF2-40B4-BE49-F238E27FC236}">
-                <a16:creationId xmlns:a16="http://schemas.microsoft.com/office/drawing/2014/main" xmlns="" id="{26A87885-D672-4CF9-A78D-CFE98385B03A}"/>
+                <a16:creationId xmlns="" xmlns:a16="http://schemas.microsoft.com/office/drawing/2014/main" id="{26A87885-D672-4CF9-A78D-CFE98385B03A}"/>
               </a:ext>
             </a:extLst>
           </p:cNvPr>

--- a/Creditcard_Fraud_Detection.pptx
+++ b/Creditcard_Fraud_Detection.pptx
@@ -291,7 +291,7 @@
             <a:fld id="{C9CC8BDE-7745-41AB-A715-BFC0522DE4D9}" type="datetimeFigureOut">
               <a:rPr lang="en-US" smtClean="0"/>
               <a:pPr/>
-              <a:t>12/13/2020</a:t>
+              <a:t>12/14/2020</a:t>
             </a:fld>
             <a:endParaRPr lang="en-IN"/>
           </a:p>
@@ -458,7 +458,7 @@
             <a:fld id="{C9CC8BDE-7745-41AB-A715-BFC0522DE4D9}" type="datetimeFigureOut">
               <a:rPr lang="en-US" smtClean="0"/>
               <a:pPr/>
-              <a:t>12/13/2020</a:t>
+              <a:t>12/14/2020</a:t>
             </a:fld>
             <a:endParaRPr lang="en-IN"/>
           </a:p>
@@ -635,7 +635,7 @@
             <a:fld id="{C9CC8BDE-7745-41AB-A715-BFC0522DE4D9}" type="datetimeFigureOut">
               <a:rPr lang="en-US" smtClean="0"/>
               <a:pPr/>
-              <a:t>12/13/2020</a:t>
+              <a:t>12/14/2020</a:t>
             </a:fld>
             <a:endParaRPr lang="en-IN"/>
           </a:p>
@@ -1780,7 +1780,7 @@
             <a:fld id="{C9CC8BDE-7745-41AB-A715-BFC0522DE4D9}" type="datetimeFigureOut">
               <a:rPr lang="en-US" smtClean="0"/>
               <a:pPr/>
-              <a:t>12/13/2020</a:t>
+              <a:t>12/14/2020</a:t>
             </a:fld>
             <a:endParaRPr lang="en-IN"/>
           </a:p>
@@ -2023,7 +2023,7 @@
             <a:fld id="{C9CC8BDE-7745-41AB-A715-BFC0522DE4D9}" type="datetimeFigureOut">
               <a:rPr lang="en-US" smtClean="0"/>
               <a:pPr/>
-              <a:t>12/13/2020</a:t>
+              <a:t>12/14/2020</a:t>
             </a:fld>
             <a:endParaRPr lang="en-IN"/>
           </a:p>
@@ -2308,7 +2308,7 @@
             <a:fld id="{C9CC8BDE-7745-41AB-A715-BFC0522DE4D9}" type="datetimeFigureOut">
               <a:rPr lang="en-US" smtClean="0"/>
               <a:pPr/>
-              <a:t>12/13/2020</a:t>
+              <a:t>12/14/2020</a:t>
             </a:fld>
             <a:endParaRPr lang="en-IN"/>
           </a:p>
@@ -2727,7 +2727,7 @@
             <a:fld id="{C9CC8BDE-7745-41AB-A715-BFC0522DE4D9}" type="datetimeFigureOut">
               <a:rPr lang="en-US" smtClean="0"/>
               <a:pPr/>
-              <a:t>12/13/2020</a:t>
+              <a:t>12/14/2020</a:t>
             </a:fld>
             <a:endParaRPr lang="en-IN"/>
           </a:p>
@@ -2842,7 +2842,7 @@
             <a:fld id="{C9CC8BDE-7745-41AB-A715-BFC0522DE4D9}" type="datetimeFigureOut">
               <a:rPr lang="en-US" smtClean="0"/>
               <a:pPr/>
-              <a:t>12/13/2020</a:t>
+              <a:t>12/14/2020</a:t>
             </a:fld>
             <a:endParaRPr lang="en-IN"/>
           </a:p>
@@ -2934,7 +2934,7 @@
             <a:fld id="{C9CC8BDE-7745-41AB-A715-BFC0522DE4D9}" type="datetimeFigureOut">
               <a:rPr lang="en-US" smtClean="0"/>
               <a:pPr/>
-              <a:t>12/13/2020</a:t>
+              <a:t>12/14/2020</a:t>
             </a:fld>
             <a:endParaRPr lang="en-IN"/>
           </a:p>
@@ -3208,7 +3208,7 @@
             <a:fld id="{C9CC8BDE-7745-41AB-A715-BFC0522DE4D9}" type="datetimeFigureOut">
               <a:rPr lang="en-US" smtClean="0"/>
               <a:pPr/>
-              <a:t>12/13/2020</a:t>
+              <a:t>12/14/2020</a:t>
             </a:fld>
             <a:endParaRPr lang="en-IN"/>
           </a:p>
@@ -3458,7 +3458,7 @@
             <a:fld id="{C9CC8BDE-7745-41AB-A715-BFC0522DE4D9}" type="datetimeFigureOut">
               <a:rPr lang="en-US" smtClean="0"/>
               <a:pPr/>
-              <a:t>12/13/2020</a:t>
+              <a:t>12/14/2020</a:t>
             </a:fld>
             <a:endParaRPr lang="en-IN"/>
           </a:p>
@@ -3668,7 +3668,7 @@
             <a:fld id="{C9CC8BDE-7745-41AB-A715-BFC0522DE4D9}" type="datetimeFigureOut">
               <a:rPr lang="en-US" smtClean="0"/>
               <a:pPr/>
-              <a:t>12/13/2020</a:t>
+              <a:t>12/14/2020</a:t>
             </a:fld>
             <a:endParaRPr lang="en-IN"/>
           </a:p>
@@ -4134,9 +4134,16 @@
           <a:p>
             <a:r>
               <a:rPr lang="en-US" sz="2000" b="1" u="sng" dirty="0" smtClean="0"/>
-              <a:t>Team: AI Free Thinkers</a:t>
-            </a:r>
-            <a:endParaRPr lang="en-US" sz="2000" b="1" u="sng" dirty="0" smtClean="0"/>
+              <a:t>Team: </a:t>
+            </a:r>
+            <a:r>
+              <a:rPr lang="en-US" sz="2000" b="1" u="sng" dirty="0" smtClean="0"/>
+              <a:t>CRP </a:t>
+            </a:r>
+            <a:r>
+              <a:rPr lang="en-US" sz="2000" b="1" u="sng" dirty="0" smtClean="0"/>
+              <a:t>Free Thinkers</a:t>
+            </a:r>
           </a:p>
           <a:p>
             <a:r>
@@ -4145,11 +4152,7 @@
             </a:r>
             <a:r>
               <a:rPr lang="en-US" sz="2000" dirty="0" smtClean="0"/>
-              <a:t> </a:t>
-            </a:r>
-            <a:r>
-              <a:rPr lang="en-US" sz="2000" dirty="0" smtClean="0"/>
-              <a:t>Jain</a:t>
+              <a:t> Jain</a:t>
             </a:r>
           </a:p>
           <a:p>
@@ -4612,9 +4615,9 @@
           <p:nvPr/>
         </p:nvCxnSpPr>
         <p:spPr>
-          <a:xfrm>
-            <a:off x="4572000" y="1772276"/>
-            <a:ext cx="0" cy="1808498"/>
+          <a:xfrm rot="5400000">
+            <a:off x="2820975" y="3036097"/>
+            <a:ext cx="3501256" cy="794"/>
           </a:xfrm>
           <a:prstGeom prst="line">
             <a:avLst/>
@@ -4920,6 +4923,52 @@
           </a:p>
         </p:txBody>
       </p:sp>
+      <p:cxnSp>
+        <p:nvCxnSpPr>
+          <p:cNvPr id="21" name="Straight Connector 20">
+            <a:extLst>
+              <a:ext uri="{FF2B5EF4-FFF2-40B4-BE49-F238E27FC236}">
+                <a16:creationId xmlns="" xmlns:a16="http://schemas.microsoft.com/office/drawing/2014/main" id="{5A563457-1EC8-4978-BCCB-AFD88C9ED04C}"/>
+              </a:ext>
+              <a:ext uri="{C183D7F6-B498-43B3-948B-1728B52AA6E4}">
+                <adec:decorative xmlns="" xmlns:adec="http://schemas.microsoft.com/office/drawing/2017/decorative" val="1"/>
+              </a:ext>
+            </a:extLst>
+          </p:cNvPr>
+          <p:cNvCxnSpPr/>
+          <p:nvPr/>
+        </p:nvCxnSpPr>
+        <p:spPr>
+          <a:xfrm rot="10800000">
+            <a:off x="357158" y="3214692"/>
+            <a:ext cx="3929090" cy="1588"/>
+          </a:xfrm>
+          <a:prstGeom prst="line">
+            <a:avLst/>
+          </a:prstGeom>
+          <a:ln>
+            <a:solidFill>
+              <a:schemeClr val="bg1">
+                <a:lumMod val="95000"/>
+              </a:schemeClr>
+            </a:solidFill>
+          </a:ln>
+        </p:spPr>
+        <p:style>
+          <a:lnRef idx="1">
+            <a:schemeClr val="accent1"/>
+          </a:lnRef>
+          <a:fillRef idx="0">
+            <a:schemeClr val="accent1"/>
+          </a:fillRef>
+          <a:effectRef idx="0">
+            <a:schemeClr val="accent1"/>
+          </a:effectRef>
+          <a:fontRef idx="minor">
+            <a:schemeClr val="tx1"/>
+          </a:fontRef>
+        </p:style>
+      </p:cxnSp>
     </p:spTree>
     <p:extLst>
       <p:ext uri="{BB962C8B-B14F-4D97-AF65-F5344CB8AC3E}">
@@ -5017,7 +5066,7 @@
       </p:pic>
       <p:pic>
         <p:nvPicPr>
-          <p:cNvPr id="3076" name="Picture 4"/>
+          <p:cNvPr id="3078" name="Picture 6"/>
           <p:cNvPicPr>
             <a:picLocks noChangeAspect="1" noChangeArrowheads="1"/>
           </p:cNvPicPr>
@@ -5032,8 +5081,8 @@
         </p:blipFill>
         <p:spPr bwMode="auto">
           <a:xfrm>
-            <a:off x="7643802" y="357172"/>
-            <a:ext cx="428628" cy="428628"/>
+            <a:off x="214282" y="857238"/>
+            <a:ext cx="1785950" cy="1869236"/>
           </a:xfrm>
           <a:prstGeom prst="rect">
             <a:avLst/>
@@ -5048,140 +5097,155 @@
           <a:effectLst/>
         </p:spPr>
       </p:pic>
-      <p:pic>
-        <p:nvPicPr>
-          <p:cNvPr id="3077" name="Picture 5"/>
-          <p:cNvPicPr>
-            <a:picLocks noChangeAspect="1" noChangeArrowheads="1"/>
-          </p:cNvPicPr>
+      <p:grpSp>
+        <p:nvGrpSpPr>
+          <p:cNvPr id="13" name="Group 12"/>
+          <p:cNvGrpSpPr/>
           <p:nvPr/>
-        </p:nvPicPr>
-        <p:blipFill>
-          <a:blip r:embed="rId4" cstate="print"/>
-          <a:srcRect/>
-          <a:stretch>
-            <a:fillRect/>
-          </a:stretch>
-        </p:blipFill>
-        <p:spPr bwMode="auto">
+        </p:nvGrpSpPr>
+        <p:grpSpPr>
           <a:xfrm>
-            <a:off x="8358182" y="285734"/>
-            <a:ext cx="511169" cy="507651"/>
-          </a:xfrm>
-          <a:prstGeom prst="rect">
-            <a:avLst/>
-          </a:prstGeom>
-          <a:noFill/>
-          <a:ln w="9525">
+            <a:off x="1285884" y="4538721"/>
+            <a:ext cx="2285984" cy="533359"/>
+            <a:chOff x="6715140" y="285734"/>
+            <a:chExt cx="2285984" cy="533359"/>
+          </a:xfrm>
+        </p:grpSpPr>
+        <p:pic>
+          <p:nvPicPr>
+            <p:cNvPr id="3076" name="Picture 4"/>
+            <p:cNvPicPr>
+              <a:picLocks noChangeAspect="1" noChangeArrowheads="1"/>
+            </p:cNvPicPr>
+            <p:nvPr/>
+          </p:nvPicPr>
+          <p:blipFill>
+            <a:blip r:embed="rId4" cstate="print"/>
+            <a:srcRect/>
+            <a:stretch>
+              <a:fillRect/>
+            </a:stretch>
+          </p:blipFill>
+          <p:spPr bwMode="auto">
+            <a:xfrm>
+              <a:off x="7701730" y="357172"/>
+              <a:ext cx="370700" cy="428628"/>
+            </a:xfrm>
+            <a:prstGeom prst="rect">
+              <a:avLst/>
+            </a:prstGeom>
             <a:noFill/>
-            <a:miter lim="800000"/>
-            <a:headEnd/>
-            <a:tailEnd/>
-          </a:ln>
-          <a:effectLst/>
-        </p:spPr>
-      </p:pic>
-      <p:pic>
-        <p:nvPicPr>
-          <p:cNvPr id="3078" name="Picture 6"/>
-          <p:cNvPicPr>
-            <a:picLocks noChangeAspect="1" noChangeArrowheads="1"/>
-          </p:cNvPicPr>
-          <p:nvPr/>
-        </p:nvPicPr>
-        <p:blipFill>
-          <a:blip r:embed="rId5" cstate="print"/>
-          <a:srcRect/>
-          <a:stretch>
-            <a:fillRect/>
-          </a:stretch>
-        </p:blipFill>
-        <p:spPr bwMode="auto">
-          <a:xfrm>
-            <a:off x="214282" y="857238"/>
-            <a:ext cx="1785950" cy="1869236"/>
-          </a:xfrm>
-          <a:prstGeom prst="rect">
-            <a:avLst/>
-          </a:prstGeom>
-          <a:noFill/>
-          <a:ln w="9525">
+            <a:ln w="9525">
+              <a:noFill/>
+              <a:miter lim="800000"/>
+              <a:headEnd/>
+              <a:tailEnd/>
+            </a:ln>
+            <a:effectLst/>
+          </p:spPr>
+        </p:pic>
+        <p:pic>
+          <p:nvPicPr>
+            <p:cNvPr id="3077" name="Picture 5"/>
+            <p:cNvPicPr>
+              <a:picLocks noChangeAspect="1" noChangeArrowheads="1"/>
+            </p:cNvPicPr>
+            <p:nvPr/>
+          </p:nvPicPr>
+          <p:blipFill>
+            <a:blip r:embed="rId5" cstate="print"/>
+            <a:srcRect/>
+            <a:stretch>
+              <a:fillRect/>
+            </a:stretch>
+          </p:blipFill>
+          <p:spPr bwMode="auto">
+            <a:xfrm>
+              <a:off x="8427265" y="285734"/>
+              <a:ext cx="442086" cy="507651"/>
+            </a:xfrm>
+            <a:prstGeom prst="rect">
+              <a:avLst/>
+            </a:prstGeom>
             <a:noFill/>
-            <a:miter lim="800000"/>
-            <a:headEnd/>
-            <a:tailEnd/>
-          </a:ln>
-          <a:effectLst/>
-        </p:spPr>
-      </p:pic>
-      <p:sp>
-        <p:nvSpPr>
-          <p:cNvPr id="9" name="Text Placeholder 6">
-            <a:extLst>
-              <a:ext uri="{FF2B5EF4-FFF2-40B4-BE49-F238E27FC236}">
-                <a16:creationId xmlns="" xmlns:a16="http://schemas.microsoft.com/office/drawing/2014/main" id="{26A87885-D672-4CF9-A78D-CFE98385B03A}"/>
-              </a:ext>
-            </a:extLst>
-          </p:cNvPr>
-          <p:cNvSpPr txBox="1">
-            <a:spLocks/>
-          </p:cNvSpPr>
-          <p:nvPr/>
-        </p:nvSpPr>
-        <p:spPr>
-          <a:xfrm>
-            <a:off x="6500795" y="285734"/>
-            <a:ext cx="2643205" cy="533359"/>
-          </a:xfrm>
-          <a:prstGeom prst="rect">
-            <a:avLst/>
-          </a:prstGeom>
-          <a:ln>
-            <a:solidFill>
-              <a:schemeClr val="tx1"/>
-            </a:solidFill>
-          </a:ln>
-        </p:spPr>
-        <p:txBody>
-          <a:bodyPr vert="horz" lIns="91440" tIns="45720" rIns="91440" bIns="45720" rtlCol="0" anchor="ctr">
-            <a:normAutofit/>
-          </a:bodyPr>
-          <a:lstStyle/>
-          <a:p>
-            <a:pPr marL="0" marR="0" lvl="0" indent="0" defTabSz="914400" rtl="0" eaLnBrk="1" fontAlgn="base" latinLnBrk="0" hangingPunct="1">
-              <a:lnSpc>
-                <a:spcPct val="100000"/>
-              </a:lnSpc>
-              <a:spcBef>
-                <a:spcPts val="0"/>
-              </a:spcBef>
-              <a:spcAft>
-                <a:spcPts val="0"/>
-              </a:spcAft>
-              <a:buClrTx/>
-              <a:buSzTx/>
-              <a:buFontTx/>
-              <a:buNone/>
-              <a:tabLst/>
-              <a:defRPr/>
-            </a:pPr>
-            <a:r>
-              <a:rPr kumimoji="0" lang="en-IN" sz="1200" b="1" i="0" u="none" strike="noStrike" kern="1200" cap="none" spc="0" normalizeH="0" baseline="0" noProof="0" dirty="0" smtClean="0">
-                <a:ln>
-                  <a:noFill/>
-                </a:ln>
-                <a:effectLst/>
-                <a:uLnTx/>
-                <a:uFillTx/>
-                <a:latin typeface="+mn-lt"/>
-                <a:ea typeface="+mn-ea"/>
-                <a:cs typeface="+mn-cs"/>
-              </a:rPr>
-              <a:t>Tech Stack</a:t>
-            </a:r>
-          </a:p>
-        </p:txBody>
-      </p:sp>
+            <a:ln w="9525">
+              <a:noFill/>
+              <a:miter lim="800000"/>
+              <a:headEnd/>
+              <a:tailEnd/>
+            </a:ln>
+            <a:effectLst/>
+          </p:spPr>
+        </p:pic>
+        <p:sp>
+          <p:nvSpPr>
+            <p:cNvPr id="9" name="Text Placeholder 6">
+              <a:extLst>
+                <a:ext uri="{FF2B5EF4-FFF2-40B4-BE49-F238E27FC236}">
+                  <a16:creationId xmlns="" xmlns:a16="http://schemas.microsoft.com/office/drawing/2014/main" id="{26A87885-D672-4CF9-A78D-CFE98385B03A}"/>
+                </a:ext>
+              </a:extLst>
+            </p:cNvPr>
+            <p:cNvSpPr txBox="1">
+              <a:spLocks/>
+            </p:cNvSpPr>
+            <p:nvPr/>
+          </p:nvSpPr>
+          <p:spPr>
+            <a:xfrm>
+              <a:off x="6715140" y="285734"/>
+              <a:ext cx="2285984" cy="533359"/>
+            </a:xfrm>
+            <a:prstGeom prst="rect">
+              <a:avLst/>
+            </a:prstGeom>
+            <a:ln>
+              <a:solidFill>
+                <a:schemeClr val="tx1"/>
+              </a:solidFill>
+            </a:ln>
+          </p:spPr>
+          <p:txBody>
+            <a:bodyPr vert="horz" lIns="91440" tIns="45720" rIns="91440" bIns="45720" rtlCol="0" anchor="ctr">
+              <a:normAutofit/>
+            </a:bodyPr>
+            <a:lstStyle/>
+            <a:p>
+              <a:pPr marL="0" marR="0" lvl="0" indent="0" defTabSz="914400" rtl="0" eaLnBrk="1" fontAlgn="base" latinLnBrk="0" hangingPunct="1">
+                <a:lnSpc>
+                  <a:spcPct val="100000"/>
+                </a:lnSpc>
+                <a:spcBef>
+                  <a:spcPts val="0"/>
+                </a:spcBef>
+                <a:spcAft>
+                  <a:spcPts val="0"/>
+                </a:spcAft>
+                <a:buClrTx/>
+                <a:buSzTx/>
+                <a:buFontTx/>
+                <a:buNone/>
+                <a:tabLst/>
+                <a:defRPr/>
+              </a:pPr>
+              <a:r>
+                <a:rPr kumimoji="0" lang="en-IN" sz="1200" b="1" i="0" u="none" strike="noStrike" kern="1200" cap="none" spc="0" normalizeH="0" baseline="0" noProof="0" dirty="0" smtClean="0">
+                  <a:ln>
+                    <a:noFill/>
+                  </a:ln>
+                  <a:effectLst/>
+                  <a:uLnTx/>
+                  <a:uFillTx/>
+                  <a:latin typeface="+mn-lt"/>
+                  <a:ea typeface="+mn-ea"/>
+                  <a:cs typeface="+mn-cs"/>
+                </a:rPr>
+                <a:t>Tech Stack :</a:t>
+              </a:r>
+            </a:p>
+          </p:txBody>
+        </p:sp>
+      </p:grpSp>
       <p:pic>
         <p:nvPicPr>
           <p:cNvPr id="3080" name="Picture 8"/>
@@ -5265,7 +5329,7 @@
         </p:blipFill>
         <p:spPr bwMode="auto">
           <a:xfrm>
-            <a:off x="714348" y="3071818"/>
+            <a:off x="714348" y="2928940"/>
             <a:ext cx="3769725" cy="1571634"/>
           </a:xfrm>
           <a:prstGeom prst="rect">
@@ -5281,6 +5345,98 @@
           <a:effectLst/>
         </p:spPr>
       </p:pic>
+      <p:cxnSp>
+        <p:nvCxnSpPr>
+          <p:cNvPr id="11" name="Straight Connector 10">
+            <a:extLst>
+              <a:ext uri="{FF2B5EF4-FFF2-40B4-BE49-F238E27FC236}">
+                <a16:creationId xmlns="" xmlns:a16="http://schemas.microsoft.com/office/drawing/2014/main" id="{5A563457-1EC8-4978-BCCB-AFD88C9ED04C}"/>
+              </a:ext>
+              <a:ext uri="{C183D7F6-B498-43B3-948B-1728B52AA6E4}">
+                <adec:decorative xmlns="" xmlns:adec="http://schemas.microsoft.com/office/drawing/2017/decorative" val="1"/>
+              </a:ext>
+            </a:extLst>
+          </p:cNvPr>
+          <p:cNvCxnSpPr/>
+          <p:nvPr/>
+        </p:nvCxnSpPr>
+        <p:spPr>
+          <a:xfrm rot="5400000">
+            <a:off x="3107521" y="2893221"/>
+            <a:ext cx="3501256" cy="794"/>
+          </a:xfrm>
+          <a:prstGeom prst="line">
+            <a:avLst/>
+          </a:prstGeom>
+          <a:ln>
+            <a:solidFill>
+              <a:schemeClr val="bg1">
+                <a:lumMod val="95000"/>
+              </a:schemeClr>
+            </a:solidFill>
+          </a:ln>
+        </p:spPr>
+        <p:style>
+          <a:lnRef idx="1">
+            <a:schemeClr val="accent1"/>
+          </a:lnRef>
+          <a:fillRef idx="0">
+            <a:schemeClr val="accent1"/>
+          </a:fillRef>
+          <a:effectRef idx="0">
+            <a:schemeClr val="accent1"/>
+          </a:effectRef>
+          <a:fontRef idx="minor">
+            <a:schemeClr val="tx1"/>
+          </a:fontRef>
+        </p:style>
+      </p:cxnSp>
+      <p:cxnSp>
+        <p:nvCxnSpPr>
+          <p:cNvPr id="12" name="Straight Connector 11">
+            <a:extLst>
+              <a:ext uri="{FF2B5EF4-FFF2-40B4-BE49-F238E27FC236}">
+                <a16:creationId xmlns="" xmlns:a16="http://schemas.microsoft.com/office/drawing/2014/main" id="{5A563457-1EC8-4978-BCCB-AFD88C9ED04C}"/>
+              </a:ext>
+              <a:ext uri="{C183D7F6-B498-43B3-948B-1728B52AA6E4}">
+                <adec:decorative xmlns="" xmlns:adec="http://schemas.microsoft.com/office/drawing/2017/decorative" val="1"/>
+              </a:ext>
+            </a:extLst>
+          </p:cNvPr>
+          <p:cNvCxnSpPr/>
+          <p:nvPr/>
+        </p:nvCxnSpPr>
+        <p:spPr>
+          <a:xfrm rot="10800000">
+            <a:off x="428596" y="2857502"/>
+            <a:ext cx="3929090" cy="1588"/>
+          </a:xfrm>
+          <a:prstGeom prst="line">
+            <a:avLst/>
+          </a:prstGeom>
+          <a:ln>
+            <a:solidFill>
+              <a:schemeClr val="bg1">
+                <a:lumMod val="95000"/>
+              </a:schemeClr>
+            </a:solidFill>
+          </a:ln>
+        </p:spPr>
+        <p:style>
+          <a:lnRef idx="1">
+            <a:schemeClr val="accent1"/>
+          </a:lnRef>
+          <a:fillRef idx="0">
+            <a:schemeClr val="accent1"/>
+          </a:fillRef>
+          <a:effectRef idx="0">
+            <a:schemeClr val="accent1"/>
+          </a:effectRef>
+          <a:fontRef idx="minor">
+            <a:schemeClr val="tx1"/>
+          </a:fontRef>
+        </p:style>
+      </p:cxnSp>
     </p:spTree>
   </p:cSld>
   <p:clrMapOvr>

--- a/Creditcard_Fraud_Detection.pptx
+++ b/Creditcard_Fraud_Detection.pptx
@@ -291,7 +291,7 @@
             <a:fld id="{C9CC8BDE-7745-41AB-A715-BFC0522DE4D9}" type="datetimeFigureOut">
               <a:rPr lang="en-US" smtClean="0"/>
               <a:pPr/>
-              <a:t>12/14/2020</a:t>
+              <a:t>12/15/2020</a:t>
             </a:fld>
             <a:endParaRPr lang="en-IN"/>
           </a:p>
@@ -458,7 +458,7 @@
             <a:fld id="{C9CC8BDE-7745-41AB-A715-BFC0522DE4D9}" type="datetimeFigureOut">
               <a:rPr lang="en-US" smtClean="0"/>
               <a:pPr/>
-              <a:t>12/14/2020</a:t>
+              <a:t>12/15/2020</a:t>
             </a:fld>
             <a:endParaRPr lang="en-IN"/>
           </a:p>
@@ -635,7 +635,7 @@
             <a:fld id="{C9CC8BDE-7745-41AB-A715-BFC0522DE4D9}" type="datetimeFigureOut">
               <a:rPr lang="en-US" smtClean="0"/>
               <a:pPr/>
-              <a:t>12/14/2020</a:t>
+              <a:t>12/15/2020</a:t>
             </a:fld>
             <a:endParaRPr lang="en-IN"/>
           </a:p>
@@ -724,7 +724,7 @@
           <p:cNvPr id="41" name="Picture Placeholder 40">
             <a:extLst>
               <a:ext uri="{FF2B5EF4-FFF2-40B4-BE49-F238E27FC236}">
-                <a16:creationId xmlns="" xmlns:a16="http://schemas.microsoft.com/office/drawing/2014/main" id="{EB7F0EE8-BE52-4A79-8FC8-4A2487FA01FC}"/>
+                <a16:creationId xmlns:a16="http://schemas.microsoft.com/office/drawing/2014/main" xmlns="" id="{EB7F0EE8-BE52-4A79-8FC8-4A2487FA01FC}"/>
               </a:ext>
             </a:extLst>
           </p:cNvPr>
@@ -770,7 +770,7 @@
           <p:cNvPr id="2" name="Title 1">
             <a:extLst>
               <a:ext uri="{FF2B5EF4-FFF2-40B4-BE49-F238E27FC236}">
-                <a16:creationId xmlns="" xmlns:a16="http://schemas.microsoft.com/office/drawing/2014/main" id="{00F23EB7-E336-46EB-A4A0-3DB7A6BF4CE1}"/>
+                <a16:creationId xmlns:a16="http://schemas.microsoft.com/office/drawing/2014/main" xmlns="" id="{00F23EB7-E336-46EB-A4A0-3DB7A6BF4CE1}"/>
               </a:ext>
             </a:extLst>
           </p:cNvPr>
@@ -813,7 +813,7 @@
           <p:cNvPr id="3" name="Subtitle 2">
             <a:extLst>
               <a:ext uri="{FF2B5EF4-FFF2-40B4-BE49-F238E27FC236}">
-                <a16:creationId xmlns="" xmlns:a16="http://schemas.microsoft.com/office/drawing/2014/main" id="{C9980B88-3F4A-4688-9ED0-17EF37E62D93}"/>
+                <a16:creationId xmlns:a16="http://schemas.microsoft.com/office/drawing/2014/main" xmlns="" id="{C9980B88-3F4A-4688-9ED0-17EF37E62D93}"/>
               </a:ext>
             </a:extLst>
           </p:cNvPr>
@@ -864,7 +864,7 @@
           <p:cNvPr id="13" name="Rectangle 12">
             <a:extLst>
               <a:ext uri="{FF2B5EF4-FFF2-40B4-BE49-F238E27FC236}">
-                <a16:creationId xmlns="" xmlns:a16="http://schemas.microsoft.com/office/drawing/2014/main" id="{EC0FBB1B-4F0E-4365-BF27-3150FC6C3B90}"/>
+                <a16:creationId xmlns:a16="http://schemas.microsoft.com/office/drawing/2014/main" xmlns="" id="{EC0FBB1B-4F0E-4365-BF27-3150FC6C3B90}"/>
               </a:ext>
             </a:extLst>
           </p:cNvPr>
@@ -918,7 +918,7 @@
           <p:cNvPr id="14" name="Rectangle 13">
             <a:extLst>
               <a:ext uri="{FF2B5EF4-FFF2-40B4-BE49-F238E27FC236}">
-                <a16:creationId xmlns="" xmlns:a16="http://schemas.microsoft.com/office/drawing/2014/main" id="{7A13D8A8-6C3D-4527-959D-41C3213F7F02}"/>
+                <a16:creationId xmlns:a16="http://schemas.microsoft.com/office/drawing/2014/main" xmlns="" id="{7A13D8A8-6C3D-4527-959D-41C3213F7F02}"/>
               </a:ext>
             </a:extLst>
           </p:cNvPr>
@@ -970,7 +970,7 @@
           <p:cNvPr id="15" name="Rectangle 14">
             <a:extLst>
               <a:ext uri="{FF2B5EF4-FFF2-40B4-BE49-F238E27FC236}">
-                <a16:creationId xmlns="" xmlns:a16="http://schemas.microsoft.com/office/drawing/2014/main" id="{9504A767-1C0B-484E-BF7D-CD42D30A52EE}"/>
+                <a16:creationId xmlns:a16="http://schemas.microsoft.com/office/drawing/2014/main" xmlns="" id="{9504A767-1C0B-484E-BF7D-CD42D30A52EE}"/>
               </a:ext>
             </a:extLst>
           </p:cNvPr>
@@ -1022,7 +1022,7 @@
           <p:cNvPr id="8" name="Rectangle 7">
             <a:extLst>
               <a:ext uri="{FF2B5EF4-FFF2-40B4-BE49-F238E27FC236}">
-                <a16:creationId xmlns="" xmlns:a16="http://schemas.microsoft.com/office/drawing/2014/main" id="{51DD44D8-4A8F-4693-B90A-166855B29D25}"/>
+                <a16:creationId xmlns:a16="http://schemas.microsoft.com/office/drawing/2014/main" xmlns="" id="{51DD44D8-4A8F-4693-B90A-166855B29D25}"/>
               </a:ext>
             </a:extLst>
           </p:cNvPr>
@@ -1069,7 +1069,7 @@
     </p:spTree>
     <p:extLst>
       <p:ext uri="{BB962C8B-B14F-4D97-AF65-F5344CB8AC3E}">
-        <p14:creationId xmlns="" xmlns:p14="http://schemas.microsoft.com/office/powerpoint/2010/main" val="1334038435"/>
+        <p14:creationId xmlns:p14="http://schemas.microsoft.com/office/powerpoint/2010/main" xmlns="" val="1334038435"/>
       </p:ext>
     </p:extLst>
   </p:cSld>
@@ -1101,7 +1101,7 @@
           <p:cNvPr id="2" name="Title 1">
             <a:extLst>
               <a:ext uri="{FF2B5EF4-FFF2-40B4-BE49-F238E27FC236}">
-                <a16:creationId xmlns="" xmlns:a16="http://schemas.microsoft.com/office/drawing/2014/main" id="{3F288DD7-6DAF-436D-B04A-EBCCAA36917C}"/>
+                <a16:creationId xmlns:a16="http://schemas.microsoft.com/office/drawing/2014/main" xmlns="" id="{3F288DD7-6DAF-436D-B04A-EBCCAA36917C}"/>
               </a:ext>
             </a:extLst>
           </p:cNvPr>
@@ -1145,7 +1145,7 @@
           <p:cNvPr id="9" name="Subtitle 2">
             <a:extLst>
               <a:ext uri="{FF2B5EF4-FFF2-40B4-BE49-F238E27FC236}">
-                <a16:creationId xmlns="" xmlns:a16="http://schemas.microsoft.com/office/drawing/2014/main" id="{E4633398-8EC3-417B-BEA6-101D8F224678}"/>
+                <a16:creationId xmlns:a16="http://schemas.microsoft.com/office/drawing/2014/main" xmlns="" id="{E4633398-8EC3-417B-BEA6-101D8F224678}"/>
               </a:ext>
             </a:extLst>
           </p:cNvPr>
@@ -1200,7 +1200,7 @@
           <p:cNvPr id="3" name="Comparison Left Placeholder 1">
             <a:extLst>
               <a:ext uri="{FF2B5EF4-FFF2-40B4-BE49-F238E27FC236}">
-                <a16:creationId xmlns="" xmlns:a16="http://schemas.microsoft.com/office/drawing/2014/main" id="{9322B50D-6A7D-41C6-BA57-613BC231DF36}"/>
+                <a16:creationId xmlns:a16="http://schemas.microsoft.com/office/drawing/2014/main" xmlns="" id="{9322B50D-6A7D-41C6-BA57-613BC231DF36}"/>
               </a:ext>
             </a:extLst>
           </p:cNvPr>
@@ -1278,7 +1278,7 @@
           <p:cNvPr id="4" name="Content Placeholder 2">
             <a:extLst>
               <a:ext uri="{FF2B5EF4-FFF2-40B4-BE49-F238E27FC236}">
-                <a16:creationId xmlns="" xmlns:a16="http://schemas.microsoft.com/office/drawing/2014/main" id="{9FD584DA-F775-47B8-A1D7-6556AD5FCBD2}"/>
+                <a16:creationId xmlns:a16="http://schemas.microsoft.com/office/drawing/2014/main" xmlns="" id="{9FD584DA-F775-47B8-A1D7-6556AD5FCBD2}"/>
               </a:ext>
             </a:extLst>
           </p:cNvPr>
@@ -1392,7 +1392,7 @@
           <p:cNvPr id="12" name="Comparison Left Placeholder 2">
             <a:extLst>
               <a:ext uri="{FF2B5EF4-FFF2-40B4-BE49-F238E27FC236}">
-                <a16:creationId xmlns="" xmlns:a16="http://schemas.microsoft.com/office/drawing/2014/main" id="{78A963F8-6F6E-440E-B3B3-DDE13C083A36}"/>
+                <a16:creationId xmlns:a16="http://schemas.microsoft.com/office/drawing/2014/main" xmlns="" id="{78A963F8-6F6E-440E-B3B3-DDE13C083A36}"/>
               </a:ext>
             </a:extLst>
           </p:cNvPr>
@@ -1431,7 +1431,7 @@
           <p:cNvPr id="8" name="Text Placeholder 4">
             <a:extLst>
               <a:ext uri="{FF2B5EF4-FFF2-40B4-BE49-F238E27FC236}">
-                <a16:creationId xmlns="" xmlns:a16="http://schemas.microsoft.com/office/drawing/2014/main" id="{DF0A5256-B267-47DA-858A-0F3867CB6139}"/>
+                <a16:creationId xmlns:a16="http://schemas.microsoft.com/office/drawing/2014/main" xmlns="" id="{DF0A5256-B267-47DA-858A-0F3867CB6139}"/>
               </a:ext>
             </a:extLst>
           </p:cNvPr>
@@ -1494,7 +1494,7 @@
           <p:cNvPr id="5" name="Footer Placeholder 4">
             <a:extLst>
               <a:ext uri="{FF2B5EF4-FFF2-40B4-BE49-F238E27FC236}">
-                <a16:creationId xmlns="" xmlns:a16="http://schemas.microsoft.com/office/drawing/2014/main" id="{646B8F99-FAB0-4B33-87ED-9FF46D11A907}"/>
+                <a16:creationId xmlns:a16="http://schemas.microsoft.com/office/drawing/2014/main" xmlns="" id="{646B8F99-FAB0-4B33-87ED-9FF46D11A907}"/>
               </a:ext>
             </a:extLst>
           </p:cNvPr>
@@ -1522,7 +1522,7 @@
           <p:cNvPr id="6" name="Slide Number Placeholder 5">
             <a:extLst>
               <a:ext uri="{FF2B5EF4-FFF2-40B4-BE49-F238E27FC236}">
-                <a16:creationId xmlns="" xmlns:a16="http://schemas.microsoft.com/office/drawing/2014/main" id="{18733E7E-50D2-4F6C-9DF2-CF4C98C4B847}"/>
+                <a16:creationId xmlns:a16="http://schemas.microsoft.com/office/drawing/2014/main" xmlns="" id="{18733E7E-50D2-4F6C-9DF2-CF4C98C4B847}"/>
               </a:ext>
             </a:extLst>
           </p:cNvPr>
@@ -1552,10 +1552,10 @@
           <p:cNvPr id="10" name="Rectangle 9" descr="Accent block left">
             <a:extLst>
               <a:ext uri="{FF2B5EF4-FFF2-40B4-BE49-F238E27FC236}">
-                <a16:creationId xmlns="" xmlns:a16="http://schemas.microsoft.com/office/drawing/2014/main" id="{BBC0CAF5-0DE6-4BEA-824E-124A54A76AC6}"/>
+                <a16:creationId xmlns:a16="http://schemas.microsoft.com/office/drawing/2014/main" xmlns="" id="{BBC0CAF5-0DE6-4BEA-824E-124A54A76AC6}"/>
               </a:ext>
               <a:ext uri="{C183D7F6-B498-43B3-948B-1728B52AA6E4}">
-                <adec:decorative xmlns="" xmlns:adec="http://schemas.microsoft.com/office/drawing/2017/decorative" val="1"/>
+                <adec:decorative xmlns:adec="http://schemas.microsoft.com/office/drawing/2017/decorative" xmlns="" val="1"/>
               </a:ext>
             </a:extLst>
           </p:cNvPr>
@@ -1607,10 +1607,10 @@
           <p:cNvPr id="11" name="Rectangle 10" descr="Accent bar right&#10;">
             <a:extLst>
               <a:ext uri="{FF2B5EF4-FFF2-40B4-BE49-F238E27FC236}">
-                <a16:creationId xmlns="" xmlns:a16="http://schemas.microsoft.com/office/drawing/2014/main" id="{ED008080-B2F5-441A-8B15-30AE86BBF943}"/>
+                <a16:creationId xmlns:a16="http://schemas.microsoft.com/office/drawing/2014/main" xmlns="" id="{ED008080-B2F5-441A-8B15-30AE86BBF943}"/>
               </a:ext>
               <a:ext uri="{C183D7F6-B498-43B3-948B-1728B52AA6E4}">
-                <adec:decorative xmlns="" xmlns:adec="http://schemas.microsoft.com/office/drawing/2017/decorative" val="1"/>
+                <adec:decorative xmlns:adec="http://schemas.microsoft.com/office/drawing/2017/decorative" xmlns="" val="1"/>
               </a:ext>
             </a:extLst>
           </p:cNvPr>
@@ -1660,7 +1660,7 @@
     </p:spTree>
     <p:extLst>
       <p:ext uri="{BB962C8B-B14F-4D97-AF65-F5344CB8AC3E}">
-        <p14:creationId xmlns="" xmlns:p14="http://schemas.microsoft.com/office/powerpoint/2010/main" val="2509955754"/>
+        <p14:creationId xmlns:p14="http://schemas.microsoft.com/office/powerpoint/2010/main" xmlns="" val="2509955754"/>
       </p:ext>
     </p:extLst>
   </p:cSld>
@@ -1780,7 +1780,7 @@
             <a:fld id="{C9CC8BDE-7745-41AB-A715-BFC0522DE4D9}" type="datetimeFigureOut">
               <a:rPr lang="en-US" smtClean="0"/>
               <a:pPr/>
-              <a:t>12/14/2020</a:t>
+              <a:t>12/15/2020</a:t>
             </a:fld>
             <a:endParaRPr lang="en-IN"/>
           </a:p>
@@ -2023,7 +2023,7 @@
             <a:fld id="{C9CC8BDE-7745-41AB-A715-BFC0522DE4D9}" type="datetimeFigureOut">
               <a:rPr lang="en-US" smtClean="0"/>
               <a:pPr/>
-              <a:t>12/14/2020</a:t>
+              <a:t>12/15/2020</a:t>
             </a:fld>
             <a:endParaRPr lang="en-IN"/>
           </a:p>
@@ -2308,7 +2308,7 @@
             <a:fld id="{C9CC8BDE-7745-41AB-A715-BFC0522DE4D9}" type="datetimeFigureOut">
               <a:rPr lang="en-US" smtClean="0"/>
               <a:pPr/>
-              <a:t>12/14/2020</a:t>
+              <a:t>12/15/2020</a:t>
             </a:fld>
             <a:endParaRPr lang="en-IN"/>
           </a:p>
@@ -2727,7 +2727,7 @@
             <a:fld id="{C9CC8BDE-7745-41AB-A715-BFC0522DE4D9}" type="datetimeFigureOut">
               <a:rPr lang="en-US" smtClean="0"/>
               <a:pPr/>
-              <a:t>12/14/2020</a:t>
+              <a:t>12/15/2020</a:t>
             </a:fld>
             <a:endParaRPr lang="en-IN"/>
           </a:p>
@@ -2842,7 +2842,7 @@
             <a:fld id="{C9CC8BDE-7745-41AB-A715-BFC0522DE4D9}" type="datetimeFigureOut">
               <a:rPr lang="en-US" smtClean="0"/>
               <a:pPr/>
-              <a:t>12/14/2020</a:t>
+              <a:t>12/15/2020</a:t>
             </a:fld>
             <a:endParaRPr lang="en-IN"/>
           </a:p>
@@ -2934,7 +2934,7 @@
             <a:fld id="{C9CC8BDE-7745-41AB-A715-BFC0522DE4D9}" type="datetimeFigureOut">
               <a:rPr lang="en-US" smtClean="0"/>
               <a:pPr/>
-              <a:t>12/14/2020</a:t>
+              <a:t>12/15/2020</a:t>
             </a:fld>
             <a:endParaRPr lang="en-IN"/>
           </a:p>
@@ -3208,7 +3208,7 @@
             <a:fld id="{C9CC8BDE-7745-41AB-A715-BFC0522DE4D9}" type="datetimeFigureOut">
               <a:rPr lang="en-US" smtClean="0"/>
               <a:pPr/>
-              <a:t>12/14/2020</a:t>
+              <a:t>12/15/2020</a:t>
             </a:fld>
             <a:endParaRPr lang="en-IN"/>
           </a:p>
@@ -3458,7 +3458,7 @@
             <a:fld id="{C9CC8BDE-7745-41AB-A715-BFC0522DE4D9}" type="datetimeFigureOut">
               <a:rPr lang="en-US" smtClean="0"/>
               <a:pPr/>
-              <a:t>12/14/2020</a:t>
+              <a:t>12/15/2020</a:t>
             </a:fld>
             <a:endParaRPr lang="en-IN"/>
           </a:p>
@@ -3668,7 +3668,7 @@
             <a:fld id="{C9CC8BDE-7745-41AB-A715-BFC0522DE4D9}" type="datetimeFigureOut">
               <a:rPr lang="en-US" smtClean="0"/>
               <a:pPr/>
-              <a:t>12/14/2020</a:t>
+              <a:t>12/15/2020</a:t>
             </a:fld>
             <a:endParaRPr lang="en-IN"/>
           </a:p>
@@ -4046,7 +4046,7 @@
           <p:cNvPr id="12" name="Picture Placeholder 11" descr="Hands coming together in circle">
             <a:extLst>
               <a:ext uri="{FF2B5EF4-FFF2-40B4-BE49-F238E27FC236}">
-                <a16:creationId xmlns="" xmlns:a16="http://schemas.microsoft.com/office/drawing/2014/main" id="{AA8A1CBA-9BB5-2246-9F4B-98EAD7C90158}"/>
+                <a16:creationId xmlns:a16="http://schemas.microsoft.com/office/drawing/2014/main" xmlns="" id="{AA8A1CBA-9BB5-2246-9F4B-98EAD7C90158}"/>
               </a:ext>
             </a:extLst>
           </p:cNvPr>
@@ -4061,7 +4061,7 @@
           <a:blip r:embed="rId2" cstate="screen">
             <a:extLst>
               <a:ext uri="{28A0092B-C50C-407E-A947-70E740481C1C}">
-                <a14:useLocalDpi xmlns="" xmlns:a14="http://schemas.microsoft.com/office/drawing/2010/main"/>
+                <a14:useLocalDpi xmlns:a14="http://schemas.microsoft.com/office/drawing/2010/main" xmlns=""/>
               </a:ext>
             </a:extLst>
           </a:blip>
@@ -4077,7 +4077,7 @@
           <p:cNvPr id="3" name="Title 2">
             <a:extLst>
               <a:ext uri="{FF2B5EF4-FFF2-40B4-BE49-F238E27FC236}">
-                <a16:creationId xmlns="" xmlns:a16="http://schemas.microsoft.com/office/drawing/2014/main" id="{200B3D2B-613A-41BE-987D-E6A1324B456D}"/>
+                <a16:creationId xmlns:a16="http://schemas.microsoft.com/office/drawing/2014/main" xmlns="" id="{200B3D2B-613A-41BE-987D-E6A1324B456D}"/>
               </a:ext>
             </a:extLst>
           </p:cNvPr>
@@ -4106,7 +4106,7 @@
           <p:cNvPr id="4" name="Subtitle 3">
             <a:extLst>
               <a:ext uri="{FF2B5EF4-FFF2-40B4-BE49-F238E27FC236}">
-                <a16:creationId xmlns="" xmlns:a16="http://schemas.microsoft.com/office/drawing/2014/main" id="{4772945D-CA91-4CFE-8EB7-941C7618C994}"/>
+                <a16:creationId xmlns:a16="http://schemas.microsoft.com/office/drawing/2014/main" xmlns="" id="{4772945D-CA91-4CFE-8EB7-941C7618C994}"/>
               </a:ext>
             </a:extLst>
           </p:cNvPr>
@@ -4134,15 +4134,7 @@
           <a:p>
             <a:r>
               <a:rPr lang="en-US" sz="2000" b="1" u="sng" dirty="0" smtClean="0"/>
-              <a:t>Team: </a:t>
-            </a:r>
-            <a:r>
-              <a:rPr lang="en-US" sz="2000" b="1" u="sng" dirty="0" smtClean="0"/>
-              <a:t>CRP </a:t>
-            </a:r>
-            <a:r>
-              <a:rPr lang="en-US" sz="2000" b="1" u="sng" dirty="0" smtClean="0"/>
-              <a:t>Free Thinkers</a:t>
+              <a:t>Team: CRP Free Thinkers</a:t>
             </a:r>
           </a:p>
           <a:p>
@@ -4198,7 +4190,7 @@
           <p:cNvPr id="51" name="TextBox 50">
             <a:extLst>
               <a:ext uri="{FF2B5EF4-FFF2-40B4-BE49-F238E27FC236}">
-                <a16:creationId xmlns="" xmlns:a16="http://schemas.microsoft.com/office/drawing/2014/main" id="{66C1DE0A-7865-466B-B5D7-781C92357026}"/>
+                <a16:creationId xmlns:a16="http://schemas.microsoft.com/office/drawing/2014/main" xmlns="" id="{66C1DE0A-7865-466B-B5D7-781C92357026}"/>
               </a:ext>
             </a:extLst>
           </p:cNvPr>
@@ -4253,7 +4245,7 @@
     </p:spTree>
     <p:extLst>
       <p:ext uri="{BB962C8B-B14F-4D97-AF65-F5344CB8AC3E}">
-        <p14:creationId xmlns="" xmlns:p14="http://schemas.microsoft.com/office/powerpoint/2010/main" val="3989923275"/>
+        <p14:creationId xmlns:p14="http://schemas.microsoft.com/office/powerpoint/2010/main" xmlns="" val="3989923275"/>
       </p:ext>
     </p:extLst>
   </p:cSld>
@@ -4318,7 +4310,7 @@
           <p:cNvPr id="2" name="Title 1">
             <a:extLst>
               <a:ext uri="{FF2B5EF4-FFF2-40B4-BE49-F238E27FC236}">
-                <a16:creationId xmlns="" xmlns:a16="http://schemas.microsoft.com/office/drawing/2014/main" id="{19304E83-A4F0-49C5-BB01-F5773509A2B3}"/>
+                <a16:creationId xmlns:a16="http://schemas.microsoft.com/office/drawing/2014/main" xmlns="" id="{19304E83-A4F0-49C5-BB01-F5773509A2B3}"/>
               </a:ext>
             </a:extLst>
           </p:cNvPr>
@@ -4349,7 +4341,7 @@
           <p:cNvPr id="3" name="Text Placeholder 2">
             <a:extLst>
               <a:ext uri="{FF2B5EF4-FFF2-40B4-BE49-F238E27FC236}">
-                <a16:creationId xmlns="" xmlns:a16="http://schemas.microsoft.com/office/drawing/2014/main" id="{7CA42D59-EAD6-4F95-84F1-32A30F057856}"/>
+                <a16:creationId xmlns:a16="http://schemas.microsoft.com/office/drawing/2014/main" xmlns="" id="{7CA42D59-EAD6-4F95-84F1-32A30F057856}"/>
               </a:ext>
             </a:extLst>
           </p:cNvPr>
@@ -4377,7 +4369,7 @@
           <p:cNvPr id="4" name="Text Placeholder 3">
             <a:extLst>
               <a:ext uri="{FF2B5EF4-FFF2-40B4-BE49-F238E27FC236}">
-                <a16:creationId xmlns="" xmlns:a16="http://schemas.microsoft.com/office/drawing/2014/main" id="{6AB259A0-0017-492F-A0DC-4B70C7052AE0}"/>
+                <a16:creationId xmlns:a16="http://schemas.microsoft.com/office/drawing/2014/main" xmlns="" id="{6AB259A0-0017-492F-A0DC-4B70C7052AE0}"/>
               </a:ext>
             </a:extLst>
           </p:cNvPr>
@@ -4413,7 +4405,7 @@
           <p:cNvPr id="5" name="Content Placeholder 4">
             <a:extLst>
               <a:ext uri="{FF2B5EF4-FFF2-40B4-BE49-F238E27FC236}">
-                <a16:creationId xmlns="" xmlns:a16="http://schemas.microsoft.com/office/drawing/2014/main" id="{CEEB3BAE-C0B2-447C-B8BE-96C6BD84D658}"/>
+                <a16:creationId xmlns:a16="http://schemas.microsoft.com/office/drawing/2014/main" xmlns="" id="{CEEB3BAE-C0B2-447C-B8BE-96C6BD84D658}"/>
               </a:ext>
             </a:extLst>
           </p:cNvPr>
@@ -4464,7 +4456,7 @@
           <p:cNvPr id="6" name="Text Placeholder 5">
             <a:extLst>
               <a:ext uri="{FF2B5EF4-FFF2-40B4-BE49-F238E27FC236}">
-                <a16:creationId xmlns="" xmlns:a16="http://schemas.microsoft.com/office/drawing/2014/main" id="{B237D1CA-B91A-410E-A968-D017BBE99F99}"/>
+                <a16:creationId xmlns:a16="http://schemas.microsoft.com/office/drawing/2014/main" xmlns="" id="{B237D1CA-B91A-410E-A968-D017BBE99F99}"/>
               </a:ext>
             </a:extLst>
           </p:cNvPr>
@@ -4500,7 +4492,7 @@
           <p:cNvPr id="7" name="Text Placeholder 6">
             <a:extLst>
               <a:ext uri="{FF2B5EF4-FFF2-40B4-BE49-F238E27FC236}">
-                <a16:creationId xmlns="" xmlns:a16="http://schemas.microsoft.com/office/drawing/2014/main" id="{26A87885-D672-4CF9-A78D-CFE98385B03A}"/>
+                <a16:creationId xmlns:a16="http://schemas.microsoft.com/office/drawing/2014/main" xmlns="" id="{26A87885-D672-4CF9-A78D-CFE98385B03A}"/>
               </a:ext>
             </a:extLst>
           </p:cNvPr>
@@ -4567,7 +4559,7 @@
           <p:cNvPr id="8" name="Slide Number Placeholder 7">
             <a:extLst>
               <a:ext uri="{FF2B5EF4-FFF2-40B4-BE49-F238E27FC236}">
-                <a16:creationId xmlns="" xmlns:a16="http://schemas.microsoft.com/office/drawing/2014/main" id="{E6AC9832-FB01-464A-9824-61887B77997E}"/>
+                <a16:creationId xmlns:a16="http://schemas.microsoft.com/office/drawing/2014/main" xmlns="" id="{E6AC9832-FB01-464A-9824-61887B77997E}"/>
               </a:ext>
             </a:extLst>
           </p:cNvPr>
@@ -4604,10 +4596,10 @@
           <p:cNvPr id="11" name="Straight Connector 10">
             <a:extLst>
               <a:ext uri="{FF2B5EF4-FFF2-40B4-BE49-F238E27FC236}">
-                <a16:creationId xmlns="" xmlns:a16="http://schemas.microsoft.com/office/drawing/2014/main" id="{5A563457-1EC8-4978-BCCB-AFD88C9ED04C}"/>
+                <a16:creationId xmlns:a16="http://schemas.microsoft.com/office/drawing/2014/main" xmlns="" id="{5A563457-1EC8-4978-BCCB-AFD88C9ED04C}"/>
               </a:ext>
               <a:ext uri="{C183D7F6-B498-43B3-948B-1728B52AA6E4}">
-                <adec:decorative xmlns="" xmlns:adec="http://schemas.microsoft.com/office/drawing/2017/decorative" val="1"/>
+                <adec:decorative xmlns:adec="http://schemas.microsoft.com/office/drawing/2017/decorative" xmlns="" val="1"/>
               </a:ext>
             </a:extLst>
           </p:cNvPr>
@@ -4676,10 +4668,10 @@
           <p:cNvPr id="16" name="Rectangle 15">
             <a:extLst>
               <a:ext uri="{FF2B5EF4-FFF2-40B4-BE49-F238E27FC236}">
-                <a16:creationId xmlns="" xmlns:a16="http://schemas.microsoft.com/office/drawing/2014/main" id="{7F65E93D-09FF-42EE-B9DD-750638966686}"/>
+                <a16:creationId xmlns:a16="http://schemas.microsoft.com/office/drawing/2014/main" xmlns="" id="{7F65E93D-09FF-42EE-B9DD-750638966686}"/>
               </a:ext>
               <a:ext uri="{C183D7F6-B498-43B3-948B-1728B52AA6E4}">
-                <adec:decorative xmlns="" xmlns:adec="http://schemas.microsoft.com/office/drawing/2017/decorative" val="1"/>
+                <adec:decorative xmlns:adec="http://schemas.microsoft.com/office/drawing/2017/decorative" xmlns="" val="1"/>
               </a:ext>
             </a:extLst>
           </p:cNvPr>
@@ -4731,7 +4723,7 @@
           <p:cNvPr id="17" name="Text Placeholder 3">
             <a:extLst>
               <a:ext uri="{FF2B5EF4-FFF2-40B4-BE49-F238E27FC236}">
-                <a16:creationId xmlns="" xmlns:a16="http://schemas.microsoft.com/office/drawing/2014/main" id="{6AB259A0-0017-492F-A0DC-4B70C7052AE0}"/>
+                <a16:creationId xmlns:a16="http://schemas.microsoft.com/office/drawing/2014/main" xmlns="" id="{6AB259A0-0017-492F-A0DC-4B70C7052AE0}"/>
               </a:ext>
             </a:extLst>
           </p:cNvPr>
@@ -4817,7 +4809,7 @@
           <p:cNvPr id="18" name="Content Placeholder 4">
             <a:extLst>
               <a:ext uri="{FF2B5EF4-FFF2-40B4-BE49-F238E27FC236}">
-                <a16:creationId xmlns="" xmlns:a16="http://schemas.microsoft.com/office/drawing/2014/main" id="{CEEB3BAE-C0B2-447C-B8BE-96C6BD84D658}"/>
+                <a16:creationId xmlns:a16="http://schemas.microsoft.com/office/drawing/2014/main" xmlns="" id="{CEEB3BAE-C0B2-447C-B8BE-96C6BD84D658}"/>
               </a:ext>
             </a:extLst>
           </p:cNvPr>
@@ -4928,10 +4920,10 @@
           <p:cNvPr id="21" name="Straight Connector 20">
             <a:extLst>
               <a:ext uri="{FF2B5EF4-FFF2-40B4-BE49-F238E27FC236}">
-                <a16:creationId xmlns="" xmlns:a16="http://schemas.microsoft.com/office/drawing/2014/main" id="{5A563457-1EC8-4978-BCCB-AFD88C9ED04C}"/>
+                <a16:creationId xmlns:a16="http://schemas.microsoft.com/office/drawing/2014/main" xmlns="" id="{5A563457-1EC8-4978-BCCB-AFD88C9ED04C}"/>
               </a:ext>
               <a:ext uri="{C183D7F6-B498-43B3-948B-1728B52AA6E4}">
-                <adec:decorative xmlns="" xmlns:adec="http://schemas.microsoft.com/office/drawing/2017/decorative" val="1"/>
+                <adec:decorative xmlns:adec="http://schemas.microsoft.com/office/drawing/2017/decorative" xmlns="" val="1"/>
               </a:ext>
             </a:extLst>
           </p:cNvPr>
@@ -4972,7 +4964,7 @@
     </p:spTree>
     <p:extLst>
       <p:ext uri="{BB962C8B-B14F-4D97-AF65-F5344CB8AC3E}">
-        <p14:creationId xmlns="" xmlns:p14="http://schemas.microsoft.com/office/powerpoint/2010/main" val="3188837873"/>
+        <p14:creationId xmlns:p14="http://schemas.microsoft.com/office/powerpoint/2010/main" xmlns="" val="3188837873"/>
       </p:ext>
     </p:extLst>
   </p:cSld>
@@ -5048,7 +5040,7 @@
         </p:blipFill>
         <p:spPr bwMode="auto">
           <a:xfrm>
-            <a:off x="2071670" y="1000114"/>
+            <a:off x="2857488" y="1000114"/>
             <a:ext cx="2766746" cy="1643074"/>
           </a:xfrm>
           <a:prstGeom prst="rect">
@@ -5081,7 +5073,7 @@
         </p:blipFill>
         <p:spPr bwMode="auto">
           <a:xfrm>
-            <a:off x="214282" y="857238"/>
+            <a:off x="571472" y="857238"/>
             <a:ext cx="1785950" cy="1869236"/>
           </a:xfrm>
           <a:prstGeom prst="rect">
@@ -5182,7 +5174,7 @@
             <p:cNvPr id="9" name="Text Placeholder 6">
               <a:extLst>
                 <a:ext uri="{FF2B5EF4-FFF2-40B4-BE49-F238E27FC236}">
-                  <a16:creationId xmlns="" xmlns:a16="http://schemas.microsoft.com/office/drawing/2014/main" id="{26A87885-D672-4CF9-A78D-CFE98385B03A}"/>
+                  <a16:creationId xmlns:a16="http://schemas.microsoft.com/office/drawing/2014/main" xmlns="" id="{26A87885-D672-4CF9-A78D-CFE98385B03A}"/>
                 </a:ext>
               </a:extLst>
             </p:cNvPr>
@@ -5263,41 +5255,8 @@
         </p:blipFill>
         <p:spPr bwMode="auto">
           <a:xfrm>
-            <a:off x="5286380" y="1142990"/>
-            <a:ext cx="3251209" cy="1563580"/>
-          </a:xfrm>
-          <a:prstGeom prst="rect">
-            <a:avLst/>
-          </a:prstGeom>
-          <a:noFill/>
-          <a:ln w="9525">
-            <a:noFill/>
-            <a:miter lim="800000"/>
-            <a:headEnd/>
-            <a:tailEnd/>
-          </a:ln>
-          <a:effectLst/>
-        </p:spPr>
-      </p:pic>
-      <p:pic>
-        <p:nvPicPr>
-          <p:cNvPr id="3081" name="Picture 9"/>
-          <p:cNvPicPr>
-            <a:picLocks noChangeAspect="1" noChangeArrowheads="1"/>
-          </p:cNvPicPr>
-          <p:nvPr/>
-        </p:nvPicPr>
-        <p:blipFill>
-          <a:blip r:embed="rId7"/>
-          <a:srcRect/>
-          <a:stretch>
-            <a:fillRect/>
-          </a:stretch>
-        </p:blipFill>
-        <p:spPr bwMode="auto">
-          <a:xfrm>
-            <a:off x="5072066" y="2928940"/>
-            <a:ext cx="3803650" cy="1854200"/>
+            <a:off x="6286512" y="1214428"/>
+            <a:ext cx="2673786" cy="1285884"/>
           </a:xfrm>
           <a:prstGeom prst="rect">
             <a:avLst/>
@@ -5321,7 +5280,7 @@
           <p:nvPr/>
         </p:nvPicPr>
         <p:blipFill>
-          <a:blip r:embed="rId8"/>
+          <a:blip r:embed="rId7"/>
           <a:srcRect/>
           <a:stretch>
             <a:fillRect/>
@@ -5329,8 +5288,8 @@
         </p:blipFill>
         <p:spPr bwMode="auto">
           <a:xfrm>
-            <a:off x="714348" y="2928940"/>
-            <a:ext cx="3769725" cy="1571634"/>
+            <a:off x="6585748" y="3000378"/>
+            <a:ext cx="2398919" cy="1000132"/>
           </a:xfrm>
           <a:prstGeom prst="rect">
             <a:avLst/>
@@ -5350,10 +5309,10 @@
           <p:cNvPr id="11" name="Straight Connector 10">
             <a:extLst>
               <a:ext uri="{FF2B5EF4-FFF2-40B4-BE49-F238E27FC236}">
-                <a16:creationId xmlns="" xmlns:a16="http://schemas.microsoft.com/office/drawing/2014/main" id="{5A563457-1EC8-4978-BCCB-AFD88C9ED04C}"/>
+                <a16:creationId xmlns:a16="http://schemas.microsoft.com/office/drawing/2014/main" xmlns="" id="{5A563457-1EC8-4978-BCCB-AFD88C9ED04C}"/>
               </a:ext>
               <a:ext uri="{C183D7F6-B498-43B3-948B-1728B52AA6E4}">
-                <adec:decorative xmlns="" xmlns:adec="http://schemas.microsoft.com/office/drawing/2017/decorative" val="1"/>
+                <adec:decorative xmlns:adec="http://schemas.microsoft.com/office/drawing/2017/decorative" xmlns="" val="1"/>
               </a:ext>
             </a:extLst>
           </p:cNvPr>
@@ -5396,10 +5355,10 @@
           <p:cNvPr id="12" name="Straight Connector 11">
             <a:extLst>
               <a:ext uri="{FF2B5EF4-FFF2-40B4-BE49-F238E27FC236}">
-                <a16:creationId xmlns="" xmlns:a16="http://schemas.microsoft.com/office/drawing/2014/main" id="{5A563457-1EC8-4978-BCCB-AFD88C9ED04C}"/>
+                <a16:creationId xmlns:a16="http://schemas.microsoft.com/office/drawing/2014/main" xmlns="" id="{5A563457-1EC8-4978-BCCB-AFD88C9ED04C}"/>
               </a:ext>
               <a:ext uri="{C183D7F6-B498-43B3-948B-1728B52AA6E4}">
-                <adec:decorative xmlns="" xmlns:adec="http://schemas.microsoft.com/office/drawing/2017/decorative" val="1"/>
+                <adec:decorative xmlns:adec="http://schemas.microsoft.com/office/drawing/2017/decorative" xmlns="" val="1"/>
               </a:ext>
             </a:extLst>
           </p:cNvPr>
@@ -5437,6 +5396,1287 @@
           </a:fontRef>
         </p:style>
       </p:cxnSp>
+      <p:graphicFrame>
+        <p:nvGraphicFramePr>
+          <p:cNvPr id="14" name="Table 13"/>
+          <p:cNvGraphicFramePr>
+            <a:graphicFrameLocks noGrp="1"/>
+          </p:cNvGraphicFramePr>
+          <p:nvPr/>
+        </p:nvGraphicFramePr>
+        <p:xfrm>
+          <a:off x="357158" y="3071816"/>
+          <a:ext cx="2654300" cy="1333500"/>
+        </p:xfrm>
+        <a:graphic>
+          <a:graphicData uri="http://schemas.openxmlformats.org/drawingml/2006/table">
+            <a:tbl>
+              <a:tblPr/>
+              <a:tblGrid>
+                <a:gridCol w="1435100"/>
+                <a:gridCol w="609600"/>
+                <a:gridCol w="609600"/>
+              </a:tblGrid>
+              <a:tr h="190500">
+                <a:tc>
+                  <a:txBody>
+                    <a:bodyPr/>
+                    <a:lstStyle/>
+                    <a:p>
+                      <a:pPr algn="l" fontAlgn="b"/>
+                      <a:r>
+                        <a:rPr lang="en-IN" sz="1100" b="1" i="0" u="none" strike="noStrike">
+                          <a:solidFill>
+                            <a:srgbClr val="000000"/>
+                          </a:solidFill>
+                          <a:latin typeface="Calibri"/>
+                        </a:rPr>
+                        <a:t>Models</a:t>
+                      </a:r>
+                    </a:p>
+                  </a:txBody>
+                  <a:tcPr marL="9525" marR="9525" marT="9525" marB="0" anchor="b">
+                    <a:lnL w="6350" cap="flat" cmpd="sng" algn="ctr">
+                      <a:solidFill>
+                        <a:srgbClr val="000000"/>
+                      </a:solidFill>
+                      <a:prstDash val="solid"/>
+                      <a:round/>
+                      <a:headEnd type="none" w="med" len="med"/>
+                      <a:tailEnd type="none" w="med" len="med"/>
+                    </a:lnL>
+                    <a:lnR w="6350" cap="flat" cmpd="sng" algn="ctr">
+                      <a:solidFill>
+                        <a:srgbClr val="000000"/>
+                      </a:solidFill>
+                      <a:prstDash val="solid"/>
+                      <a:round/>
+                      <a:headEnd type="none" w="med" len="med"/>
+                      <a:tailEnd type="none" w="med" len="med"/>
+                    </a:lnR>
+                    <a:lnT w="6350" cap="flat" cmpd="sng" algn="ctr">
+                      <a:solidFill>
+                        <a:srgbClr val="000000"/>
+                      </a:solidFill>
+                      <a:prstDash val="solid"/>
+                      <a:round/>
+                      <a:headEnd type="none" w="med" len="med"/>
+                      <a:tailEnd type="none" w="med" len="med"/>
+                    </a:lnT>
+                    <a:lnB w="6350" cap="flat" cmpd="sng" algn="ctr">
+                      <a:solidFill>
+                        <a:srgbClr val="000000"/>
+                      </a:solidFill>
+                      <a:prstDash val="solid"/>
+                      <a:round/>
+                      <a:headEnd type="none" w="med" len="med"/>
+                      <a:tailEnd type="none" w="med" len="med"/>
+                    </a:lnB>
+                  </a:tcPr>
+                </a:tc>
+                <a:tc>
+                  <a:txBody>
+                    <a:bodyPr/>
+                    <a:lstStyle/>
+                    <a:p>
+                      <a:pPr algn="l" fontAlgn="b"/>
+                      <a:r>
+                        <a:rPr lang="en-IN" sz="1100" b="1" i="0" u="none" strike="noStrike">
+                          <a:solidFill>
+                            <a:srgbClr val="000000"/>
+                          </a:solidFill>
+                          <a:latin typeface="Calibri"/>
+                        </a:rPr>
+                        <a:t>AU-ROC</a:t>
+                      </a:r>
+                    </a:p>
+                  </a:txBody>
+                  <a:tcPr marL="9525" marR="9525" marT="9525" marB="0" anchor="b">
+                    <a:lnL w="6350" cap="flat" cmpd="sng" algn="ctr">
+                      <a:solidFill>
+                        <a:srgbClr val="000000"/>
+                      </a:solidFill>
+                      <a:prstDash val="solid"/>
+                      <a:round/>
+                      <a:headEnd type="none" w="med" len="med"/>
+                      <a:tailEnd type="none" w="med" len="med"/>
+                    </a:lnL>
+                    <a:lnR w="6350" cap="flat" cmpd="sng" algn="ctr">
+                      <a:solidFill>
+                        <a:srgbClr val="000000"/>
+                      </a:solidFill>
+                      <a:prstDash val="solid"/>
+                      <a:round/>
+                      <a:headEnd type="none" w="med" len="med"/>
+                      <a:tailEnd type="none" w="med" len="med"/>
+                    </a:lnR>
+                    <a:lnT w="6350" cap="flat" cmpd="sng" algn="ctr">
+                      <a:solidFill>
+                        <a:srgbClr val="000000"/>
+                      </a:solidFill>
+                      <a:prstDash val="solid"/>
+                      <a:round/>
+                      <a:headEnd type="none" w="med" len="med"/>
+                      <a:tailEnd type="none" w="med" len="med"/>
+                    </a:lnT>
+                    <a:lnB w="6350" cap="flat" cmpd="sng" algn="ctr">
+                      <a:solidFill>
+                        <a:srgbClr val="000000"/>
+                      </a:solidFill>
+                      <a:prstDash val="solid"/>
+                      <a:round/>
+                      <a:headEnd type="none" w="med" len="med"/>
+                      <a:tailEnd type="none" w="med" len="med"/>
+                    </a:lnB>
+                  </a:tcPr>
+                </a:tc>
+                <a:tc>
+                  <a:txBody>
+                    <a:bodyPr/>
+                    <a:lstStyle/>
+                    <a:p>
+                      <a:pPr algn="l" fontAlgn="b"/>
+                      <a:r>
+                        <a:rPr lang="en-IN" sz="1100" b="1" i="0" u="none" strike="noStrike">
+                          <a:solidFill>
+                            <a:srgbClr val="000000"/>
+                          </a:solidFill>
+                          <a:latin typeface="Calibri"/>
+                        </a:rPr>
+                        <a:t>AU-PRC</a:t>
+                      </a:r>
+                    </a:p>
+                  </a:txBody>
+                  <a:tcPr marL="9525" marR="9525" marT="9525" marB="0" anchor="b">
+                    <a:lnL w="6350" cap="flat" cmpd="sng" algn="ctr">
+                      <a:solidFill>
+                        <a:srgbClr val="000000"/>
+                      </a:solidFill>
+                      <a:prstDash val="solid"/>
+                      <a:round/>
+                      <a:headEnd type="none" w="med" len="med"/>
+                      <a:tailEnd type="none" w="med" len="med"/>
+                    </a:lnL>
+                    <a:lnR w="6350" cap="flat" cmpd="sng" algn="ctr">
+                      <a:solidFill>
+                        <a:srgbClr val="000000"/>
+                      </a:solidFill>
+                      <a:prstDash val="solid"/>
+                      <a:round/>
+                      <a:headEnd type="none" w="med" len="med"/>
+                      <a:tailEnd type="none" w="med" len="med"/>
+                    </a:lnR>
+                    <a:lnT w="6350" cap="flat" cmpd="sng" algn="ctr">
+                      <a:solidFill>
+                        <a:srgbClr val="000000"/>
+                      </a:solidFill>
+                      <a:prstDash val="solid"/>
+                      <a:round/>
+                      <a:headEnd type="none" w="med" len="med"/>
+                      <a:tailEnd type="none" w="med" len="med"/>
+                    </a:lnT>
+                    <a:lnB w="6350" cap="flat" cmpd="sng" algn="ctr">
+                      <a:solidFill>
+                        <a:srgbClr val="000000"/>
+                      </a:solidFill>
+                      <a:prstDash val="solid"/>
+                      <a:round/>
+                      <a:headEnd type="none" w="med" len="med"/>
+                      <a:tailEnd type="none" w="med" len="med"/>
+                    </a:lnB>
+                  </a:tcPr>
+                </a:tc>
+              </a:tr>
+              <a:tr h="190500">
+                <a:tc>
+                  <a:txBody>
+                    <a:bodyPr/>
+                    <a:lstStyle/>
+                    <a:p>
+                      <a:pPr algn="l" fontAlgn="b"/>
+                      <a:r>
+                        <a:rPr lang="en-IN" sz="1100" b="1" i="0" u="none" strike="noStrike">
+                          <a:solidFill>
+                            <a:srgbClr val="000000"/>
+                          </a:solidFill>
+                          <a:latin typeface="Calibri"/>
+                        </a:rPr>
+                        <a:t>Cost Sensitive NN</a:t>
+                      </a:r>
+                    </a:p>
+                  </a:txBody>
+                  <a:tcPr marL="9525" marR="9525" marT="9525" marB="0" anchor="b">
+                    <a:lnL w="6350" cap="flat" cmpd="sng" algn="ctr">
+                      <a:solidFill>
+                        <a:srgbClr val="000000"/>
+                      </a:solidFill>
+                      <a:prstDash val="solid"/>
+                      <a:round/>
+                      <a:headEnd type="none" w="med" len="med"/>
+                      <a:tailEnd type="none" w="med" len="med"/>
+                    </a:lnL>
+                    <a:lnR w="6350" cap="flat" cmpd="sng" algn="ctr">
+                      <a:solidFill>
+                        <a:srgbClr val="000000"/>
+                      </a:solidFill>
+                      <a:prstDash val="solid"/>
+                      <a:round/>
+                      <a:headEnd type="none" w="med" len="med"/>
+                      <a:tailEnd type="none" w="med" len="med"/>
+                    </a:lnR>
+                    <a:lnT w="6350" cap="flat" cmpd="sng" algn="ctr">
+                      <a:solidFill>
+                        <a:srgbClr val="000000"/>
+                      </a:solidFill>
+                      <a:prstDash val="solid"/>
+                      <a:round/>
+                      <a:headEnd type="none" w="med" len="med"/>
+                      <a:tailEnd type="none" w="med" len="med"/>
+                    </a:lnT>
+                    <a:lnB w="6350" cap="flat" cmpd="sng" algn="ctr">
+                      <a:solidFill>
+                        <a:srgbClr val="000000"/>
+                      </a:solidFill>
+                      <a:prstDash val="solid"/>
+                      <a:round/>
+                      <a:headEnd type="none" w="med" len="med"/>
+                      <a:tailEnd type="none" w="med" len="med"/>
+                    </a:lnB>
+                  </a:tcPr>
+                </a:tc>
+                <a:tc>
+                  <a:txBody>
+                    <a:bodyPr/>
+                    <a:lstStyle/>
+                    <a:p>
+                      <a:pPr algn="r" fontAlgn="b"/>
+                      <a:r>
+                        <a:rPr lang="en-IN" sz="1100" b="0" i="0" u="none" strike="noStrike">
+                          <a:solidFill>
+                            <a:srgbClr val="000000"/>
+                          </a:solidFill>
+                          <a:latin typeface="Calibri"/>
+                        </a:rPr>
+                        <a:t>0.979551</a:t>
+                      </a:r>
+                    </a:p>
+                  </a:txBody>
+                  <a:tcPr marL="9525" marR="9525" marT="9525" marB="0" anchor="b">
+                    <a:lnL w="6350" cap="flat" cmpd="sng" algn="ctr">
+                      <a:solidFill>
+                        <a:srgbClr val="000000"/>
+                      </a:solidFill>
+                      <a:prstDash val="solid"/>
+                      <a:round/>
+                      <a:headEnd type="none" w="med" len="med"/>
+                      <a:tailEnd type="none" w="med" len="med"/>
+                    </a:lnL>
+                    <a:lnR w="6350" cap="flat" cmpd="sng" algn="ctr">
+                      <a:solidFill>
+                        <a:srgbClr val="000000"/>
+                      </a:solidFill>
+                      <a:prstDash val="solid"/>
+                      <a:round/>
+                      <a:headEnd type="none" w="med" len="med"/>
+                      <a:tailEnd type="none" w="med" len="med"/>
+                    </a:lnR>
+                    <a:lnT w="6350" cap="flat" cmpd="sng" algn="ctr">
+                      <a:solidFill>
+                        <a:srgbClr val="000000"/>
+                      </a:solidFill>
+                      <a:prstDash val="solid"/>
+                      <a:round/>
+                      <a:headEnd type="none" w="med" len="med"/>
+                      <a:tailEnd type="none" w="med" len="med"/>
+                    </a:lnT>
+                    <a:lnB w="6350" cap="flat" cmpd="sng" algn="ctr">
+                      <a:solidFill>
+                        <a:srgbClr val="000000"/>
+                      </a:solidFill>
+                      <a:prstDash val="solid"/>
+                      <a:round/>
+                      <a:headEnd type="none" w="med" len="med"/>
+                      <a:tailEnd type="none" w="med" len="med"/>
+                    </a:lnB>
+                  </a:tcPr>
+                </a:tc>
+                <a:tc>
+                  <a:txBody>
+                    <a:bodyPr/>
+                    <a:lstStyle/>
+                    <a:p>
+                      <a:pPr algn="r" fontAlgn="b"/>
+                      <a:r>
+                        <a:rPr lang="en-IN" sz="1100" b="0" i="0" u="none" strike="noStrike">
+                          <a:solidFill>
+                            <a:srgbClr val="000000"/>
+                          </a:solidFill>
+                          <a:latin typeface="Calibri"/>
+                        </a:rPr>
+                        <a:t>0.716</a:t>
+                      </a:r>
+                    </a:p>
+                  </a:txBody>
+                  <a:tcPr marL="9525" marR="9525" marT="9525" marB="0" anchor="b">
+                    <a:lnL w="6350" cap="flat" cmpd="sng" algn="ctr">
+                      <a:solidFill>
+                        <a:srgbClr val="000000"/>
+                      </a:solidFill>
+                      <a:prstDash val="solid"/>
+                      <a:round/>
+                      <a:headEnd type="none" w="med" len="med"/>
+                      <a:tailEnd type="none" w="med" len="med"/>
+                    </a:lnL>
+                    <a:lnR w="6350" cap="flat" cmpd="sng" algn="ctr">
+                      <a:solidFill>
+                        <a:srgbClr val="000000"/>
+                      </a:solidFill>
+                      <a:prstDash val="solid"/>
+                      <a:round/>
+                      <a:headEnd type="none" w="med" len="med"/>
+                      <a:tailEnd type="none" w="med" len="med"/>
+                    </a:lnR>
+                    <a:lnT w="6350" cap="flat" cmpd="sng" algn="ctr">
+                      <a:solidFill>
+                        <a:srgbClr val="000000"/>
+                      </a:solidFill>
+                      <a:prstDash val="solid"/>
+                      <a:round/>
+                      <a:headEnd type="none" w="med" len="med"/>
+                      <a:tailEnd type="none" w="med" len="med"/>
+                    </a:lnT>
+                    <a:lnB w="6350" cap="flat" cmpd="sng" algn="ctr">
+                      <a:solidFill>
+                        <a:srgbClr val="000000"/>
+                      </a:solidFill>
+                      <a:prstDash val="solid"/>
+                      <a:round/>
+                      <a:headEnd type="none" w="med" len="med"/>
+                      <a:tailEnd type="none" w="med" len="med"/>
+                    </a:lnB>
+                  </a:tcPr>
+                </a:tc>
+              </a:tr>
+              <a:tr h="190500">
+                <a:tc>
+                  <a:txBody>
+                    <a:bodyPr/>
+                    <a:lstStyle/>
+                    <a:p>
+                      <a:pPr algn="l" fontAlgn="b"/>
+                      <a:r>
+                        <a:rPr lang="en-IN" sz="1100" b="1" i="0" u="none" strike="noStrike">
+                          <a:solidFill>
+                            <a:srgbClr val="000000"/>
+                          </a:solidFill>
+                          <a:latin typeface="Calibri"/>
+                        </a:rPr>
+                        <a:t>DN Undersample</a:t>
+                      </a:r>
+                    </a:p>
+                  </a:txBody>
+                  <a:tcPr marL="9525" marR="9525" marT="9525" marB="0" anchor="b">
+                    <a:lnL w="6350" cap="flat" cmpd="sng" algn="ctr">
+                      <a:solidFill>
+                        <a:srgbClr val="000000"/>
+                      </a:solidFill>
+                      <a:prstDash val="solid"/>
+                      <a:round/>
+                      <a:headEnd type="none" w="med" len="med"/>
+                      <a:tailEnd type="none" w="med" len="med"/>
+                    </a:lnL>
+                    <a:lnR w="6350" cap="flat" cmpd="sng" algn="ctr">
+                      <a:solidFill>
+                        <a:srgbClr val="000000"/>
+                      </a:solidFill>
+                      <a:prstDash val="solid"/>
+                      <a:round/>
+                      <a:headEnd type="none" w="med" len="med"/>
+                      <a:tailEnd type="none" w="med" len="med"/>
+                    </a:lnR>
+                    <a:lnT w="6350" cap="flat" cmpd="sng" algn="ctr">
+                      <a:solidFill>
+                        <a:srgbClr val="000000"/>
+                      </a:solidFill>
+                      <a:prstDash val="solid"/>
+                      <a:round/>
+                      <a:headEnd type="none" w="med" len="med"/>
+                      <a:tailEnd type="none" w="med" len="med"/>
+                    </a:lnT>
+                    <a:lnB w="6350" cap="flat" cmpd="sng" algn="ctr">
+                      <a:solidFill>
+                        <a:srgbClr val="000000"/>
+                      </a:solidFill>
+                      <a:prstDash val="solid"/>
+                      <a:round/>
+                      <a:headEnd type="none" w="med" len="med"/>
+                      <a:tailEnd type="none" w="med" len="med"/>
+                    </a:lnB>
+                  </a:tcPr>
+                </a:tc>
+                <a:tc>
+                  <a:txBody>
+                    <a:bodyPr/>
+                    <a:lstStyle/>
+                    <a:p>
+                      <a:pPr algn="r" fontAlgn="b"/>
+                      <a:r>
+                        <a:rPr lang="en-IN" sz="1100" b="0" i="0" u="none" strike="noStrike">
+                          <a:solidFill>
+                            <a:srgbClr val="000000"/>
+                          </a:solidFill>
+                          <a:latin typeface="Calibri"/>
+                        </a:rPr>
+                        <a:t>0.988447</a:t>
+                      </a:r>
+                    </a:p>
+                  </a:txBody>
+                  <a:tcPr marL="9525" marR="9525" marT="9525" marB="0" anchor="b">
+                    <a:lnL w="6350" cap="flat" cmpd="sng" algn="ctr">
+                      <a:solidFill>
+                        <a:srgbClr val="000000"/>
+                      </a:solidFill>
+                      <a:prstDash val="solid"/>
+                      <a:round/>
+                      <a:headEnd type="none" w="med" len="med"/>
+                      <a:tailEnd type="none" w="med" len="med"/>
+                    </a:lnL>
+                    <a:lnR w="6350" cap="flat" cmpd="sng" algn="ctr">
+                      <a:solidFill>
+                        <a:srgbClr val="000000"/>
+                      </a:solidFill>
+                      <a:prstDash val="solid"/>
+                      <a:round/>
+                      <a:headEnd type="none" w="med" len="med"/>
+                      <a:tailEnd type="none" w="med" len="med"/>
+                    </a:lnR>
+                    <a:lnT w="6350" cap="flat" cmpd="sng" algn="ctr">
+                      <a:solidFill>
+                        <a:srgbClr val="000000"/>
+                      </a:solidFill>
+                      <a:prstDash val="solid"/>
+                      <a:round/>
+                      <a:headEnd type="none" w="med" len="med"/>
+                      <a:tailEnd type="none" w="med" len="med"/>
+                    </a:lnT>
+                    <a:lnB w="6350" cap="flat" cmpd="sng" algn="ctr">
+                      <a:solidFill>
+                        <a:srgbClr val="000000"/>
+                      </a:solidFill>
+                      <a:prstDash val="solid"/>
+                      <a:round/>
+                      <a:headEnd type="none" w="med" len="med"/>
+                      <a:tailEnd type="none" w="med" len="med"/>
+                    </a:lnB>
+                  </a:tcPr>
+                </a:tc>
+                <a:tc>
+                  <a:txBody>
+                    <a:bodyPr/>
+                    <a:lstStyle/>
+                    <a:p>
+                      <a:pPr algn="r" fontAlgn="b"/>
+                      <a:r>
+                        <a:rPr lang="en-IN" sz="1100" b="0" i="0" u="none" strike="noStrike">
+                          <a:solidFill>
+                            <a:srgbClr val="000000"/>
+                          </a:solidFill>
+                          <a:latin typeface="Calibri"/>
+                        </a:rPr>
+                        <a:t>0.992</a:t>
+                      </a:r>
+                    </a:p>
+                  </a:txBody>
+                  <a:tcPr marL="9525" marR="9525" marT="9525" marB="0" anchor="b">
+                    <a:lnL w="6350" cap="flat" cmpd="sng" algn="ctr">
+                      <a:solidFill>
+                        <a:srgbClr val="000000"/>
+                      </a:solidFill>
+                      <a:prstDash val="solid"/>
+                      <a:round/>
+                      <a:headEnd type="none" w="med" len="med"/>
+                      <a:tailEnd type="none" w="med" len="med"/>
+                    </a:lnL>
+                    <a:lnR w="6350" cap="flat" cmpd="sng" algn="ctr">
+                      <a:solidFill>
+                        <a:srgbClr val="000000"/>
+                      </a:solidFill>
+                      <a:prstDash val="solid"/>
+                      <a:round/>
+                      <a:headEnd type="none" w="med" len="med"/>
+                      <a:tailEnd type="none" w="med" len="med"/>
+                    </a:lnR>
+                    <a:lnT w="6350" cap="flat" cmpd="sng" algn="ctr">
+                      <a:solidFill>
+                        <a:srgbClr val="000000"/>
+                      </a:solidFill>
+                      <a:prstDash val="solid"/>
+                      <a:round/>
+                      <a:headEnd type="none" w="med" len="med"/>
+                      <a:tailEnd type="none" w="med" len="med"/>
+                    </a:lnT>
+                    <a:lnB w="6350" cap="flat" cmpd="sng" algn="ctr">
+                      <a:solidFill>
+                        <a:srgbClr val="000000"/>
+                      </a:solidFill>
+                      <a:prstDash val="solid"/>
+                      <a:round/>
+                      <a:headEnd type="none" w="med" len="med"/>
+                      <a:tailEnd type="none" w="med" len="med"/>
+                    </a:lnB>
+                  </a:tcPr>
+                </a:tc>
+              </a:tr>
+              <a:tr h="190500">
+                <a:tc>
+                  <a:txBody>
+                    <a:bodyPr/>
+                    <a:lstStyle/>
+                    <a:p>
+                      <a:pPr algn="l" fontAlgn="b"/>
+                      <a:r>
+                        <a:rPr lang="en-IN" sz="1100" b="1" i="0" u="none" strike="noStrike">
+                          <a:solidFill>
+                            <a:srgbClr val="000000"/>
+                          </a:solidFill>
+                          <a:latin typeface="Calibri"/>
+                        </a:rPr>
+                        <a:t>DNN SMOTE Upsample</a:t>
+                      </a:r>
+                    </a:p>
+                  </a:txBody>
+                  <a:tcPr marL="9525" marR="9525" marT="9525" marB="0" anchor="b">
+                    <a:lnL w="6350" cap="flat" cmpd="sng" algn="ctr">
+                      <a:solidFill>
+                        <a:srgbClr val="000000"/>
+                      </a:solidFill>
+                      <a:prstDash val="solid"/>
+                      <a:round/>
+                      <a:headEnd type="none" w="med" len="med"/>
+                      <a:tailEnd type="none" w="med" len="med"/>
+                    </a:lnL>
+                    <a:lnR w="6350" cap="flat" cmpd="sng" algn="ctr">
+                      <a:solidFill>
+                        <a:srgbClr val="000000"/>
+                      </a:solidFill>
+                      <a:prstDash val="solid"/>
+                      <a:round/>
+                      <a:headEnd type="none" w="med" len="med"/>
+                      <a:tailEnd type="none" w="med" len="med"/>
+                    </a:lnR>
+                    <a:lnT w="6350" cap="flat" cmpd="sng" algn="ctr">
+                      <a:solidFill>
+                        <a:srgbClr val="000000"/>
+                      </a:solidFill>
+                      <a:prstDash val="solid"/>
+                      <a:round/>
+                      <a:headEnd type="none" w="med" len="med"/>
+                      <a:tailEnd type="none" w="med" len="med"/>
+                    </a:lnT>
+                    <a:lnB w="6350" cap="flat" cmpd="sng" algn="ctr">
+                      <a:solidFill>
+                        <a:srgbClr val="000000"/>
+                      </a:solidFill>
+                      <a:prstDash val="solid"/>
+                      <a:round/>
+                      <a:headEnd type="none" w="med" len="med"/>
+                      <a:tailEnd type="none" w="med" len="med"/>
+                    </a:lnB>
+                  </a:tcPr>
+                </a:tc>
+                <a:tc>
+                  <a:txBody>
+                    <a:bodyPr/>
+                    <a:lstStyle/>
+                    <a:p>
+                      <a:pPr algn="r" fontAlgn="b"/>
+                      <a:r>
+                        <a:rPr lang="en-IN" sz="1100" b="0" i="0" u="none" strike="noStrike">
+                          <a:solidFill>
+                            <a:srgbClr val="000000"/>
+                          </a:solidFill>
+                          <a:latin typeface="Calibri"/>
+                        </a:rPr>
+                        <a:t>0.99981</a:t>
+                      </a:r>
+                    </a:p>
+                  </a:txBody>
+                  <a:tcPr marL="9525" marR="9525" marT="9525" marB="0" anchor="b">
+                    <a:lnL w="6350" cap="flat" cmpd="sng" algn="ctr">
+                      <a:solidFill>
+                        <a:srgbClr val="000000"/>
+                      </a:solidFill>
+                      <a:prstDash val="solid"/>
+                      <a:round/>
+                      <a:headEnd type="none" w="med" len="med"/>
+                      <a:tailEnd type="none" w="med" len="med"/>
+                    </a:lnL>
+                    <a:lnR w="6350" cap="flat" cmpd="sng" algn="ctr">
+                      <a:solidFill>
+                        <a:srgbClr val="000000"/>
+                      </a:solidFill>
+                      <a:prstDash val="solid"/>
+                      <a:round/>
+                      <a:headEnd type="none" w="med" len="med"/>
+                      <a:tailEnd type="none" w="med" len="med"/>
+                    </a:lnR>
+                    <a:lnT w="6350" cap="flat" cmpd="sng" algn="ctr">
+                      <a:solidFill>
+                        <a:srgbClr val="000000"/>
+                      </a:solidFill>
+                      <a:prstDash val="solid"/>
+                      <a:round/>
+                      <a:headEnd type="none" w="med" len="med"/>
+                      <a:tailEnd type="none" w="med" len="med"/>
+                    </a:lnT>
+                    <a:lnB w="6350" cap="flat" cmpd="sng" algn="ctr">
+                      <a:solidFill>
+                        <a:srgbClr val="000000"/>
+                      </a:solidFill>
+                      <a:prstDash val="solid"/>
+                      <a:round/>
+                      <a:headEnd type="none" w="med" len="med"/>
+                      <a:tailEnd type="none" w="med" len="med"/>
+                    </a:lnB>
+                  </a:tcPr>
+                </a:tc>
+                <a:tc>
+                  <a:txBody>
+                    <a:bodyPr/>
+                    <a:lstStyle/>
+                    <a:p>
+                      <a:pPr algn="r" fontAlgn="b"/>
+                      <a:r>
+                        <a:rPr lang="en-IN" sz="1100" b="0" i="0" u="none" strike="noStrike">
+                          <a:solidFill>
+                            <a:srgbClr val="000000"/>
+                          </a:solidFill>
+                          <a:latin typeface="Calibri"/>
+                        </a:rPr>
+                        <a:t>1</a:t>
+                      </a:r>
+                    </a:p>
+                  </a:txBody>
+                  <a:tcPr marL="9525" marR="9525" marT="9525" marB="0" anchor="b">
+                    <a:lnL w="6350" cap="flat" cmpd="sng" algn="ctr">
+                      <a:solidFill>
+                        <a:srgbClr val="000000"/>
+                      </a:solidFill>
+                      <a:prstDash val="solid"/>
+                      <a:round/>
+                      <a:headEnd type="none" w="med" len="med"/>
+                      <a:tailEnd type="none" w="med" len="med"/>
+                    </a:lnL>
+                    <a:lnR w="6350" cap="flat" cmpd="sng" algn="ctr">
+                      <a:solidFill>
+                        <a:srgbClr val="000000"/>
+                      </a:solidFill>
+                      <a:prstDash val="solid"/>
+                      <a:round/>
+                      <a:headEnd type="none" w="med" len="med"/>
+                      <a:tailEnd type="none" w="med" len="med"/>
+                    </a:lnR>
+                    <a:lnT w="6350" cap="flat" cmpd="sng" algn="ctr">
+                      <a:solidFill>
+                        <a:srgbClr val="000000"/>
+                      </a:solidFill>
+                      <a:prstDash val="solid"/>
+                      <a:round/>
+                      <a:headEnd type="none" w="med" len="med"/>
+                      <a:tailEnd type="none" w="med" len="med"/>
+                    </a:lnT>
+                    <a:lnB w="6350" cap="flat" cmpd="sng" algn="ctr">
+                      <a:solidFill>
+                        <a:srgbClr val="000000"/>
+                      </a:solidFill>
+                      <a:prstDash val="solid"/>
+                      <a:round/>
+                      <a:headEnd type="none" w="med" len="med"/>
+                      <a:tailEnd type="none" w="med" len="med"/>
+                    </a:lnB>
+                  </a:tcPr>
+                </a:tc>
+              </a:tr>
+              <a:tr h="190500">
+                <a:tc>
+                  <a:txBody>
+                    <a:bodyPr/>
+                    <a:lstStyle/>
+                    <a:p>
+                      <a:pPr algn="l" fontAlgn="b"/>
+                      <a:r>
+                        <a:rPr lang="en-IN" sz="1100" b="1" i="0" u="none" strike="noStrike">
+                          <a:solidFill>
+                            <a:srgbClr val="000000"/>
+                          </a:solidFill>
+                          <a:latin typeface="Calibri"/>
+                        </a:rPr>
+                        <a:t>Isolation Forest</a:t>
+                      </a:r>
+                    </a:p>
+                  </a:txBody>
+                  <a:tcPr marL="9525" marR="9525" marT="9525" marB="0" anchor="b">
+                    <a:lnL w="6350" cap="flat" cmpd="sng" algn="ctr">
+                      <a:solidFill>
+                        <a:srgbClr val="000000"/>
+                      </a:solidFill>
+                      <a:prstDash val="solid"/>
+                      <a:round/>
+                      <a:headEnd type="none" w="med" len="med"/>
+                      <a:tailEnd type="none" w="med" len="med"/>
+                    </a:lnL>
+                    <a:lnR w="6350" cap="flat" cmpd="sng" algn="ctr">
+                      <a:solidFill>
+                        <a:srgbClr val="000000"/>
+                      </a:solidFill>
+                      <a:prstDash val="solid"/>
+                      <a:round/>
+                      <a:headEnd type="none" w="med" len="med"/>
+                      <a:tailEnd type="none" w="med" len="med"/>
+                    </a:lnR>
+                    <a:lnT w="6350" cap="flat" cmpd="sng" algn="ctr">
+                      <a:solidFill>
+                        <a:srgbClr val="000000"/>
+                      </a:solidFill>
+                      <a:prstDash val="solid"/>
+                      <a:round/>
+                      <a:headEnd type="none" w="med" len="med"/>
+                      <a:tailEnd type="none" w="med" len="med"/>
+                    </a:lnT>
+                    <a:lnB w="6350" cap="flat" cmpd="sng" algn="ctr">
+                      <a:solidFill>
+                        <a:srgbClr val="000000"/>
+                      </a:solidFill>
+                      <a:prstDash val="solid"/>
+                      <a:round/>
+                      <a:headEnd type="none" w="med" len="med"/>
+                      <a:tailEnd type="none" w="med" len="med"/>
+                    </a:lnB>
+                  </a:tcPr>
+                </a:tc>
+                <a:tc>
+                  <a:txBody>
+                    <a:bodyPr/>
+                    <a:lstStyle/>
+                    <a:p>
+                      <a:pPr algn="r" fontAlgn="b"/>
+                      <a:r>
+                        <a:rPr lang="en-IN" sz="1100" b="0" i="0" u="none" strike="noStrike">
+                          <a:solidFill>
+                            <a:srgbClr val="000000"/>
+                          </a:solidFill>
+                          <a:latin typeface="Calibri"/>
+                        </a:rPr>
+                        <a:t>0.653377</a:t>
+                      </a:r>
+                    </a:p>
+                  </a:txBody>
+                  <a:tcPr marL="9525" marR="9525" marT="9525" marB="0" anchor="b">
+                    <a:lnL w="6350" cap="flat" cmpd="sng" algn="ctr">
+                      <a:solidFill>
+                        <a:srgbClr val="000000"/>
+                      </a:solidFill>
+                      <a:prstDash val="solid"/>
+                      <a:round/>
+                      <a:headEnd type="none" w="med" len="med"/>
+                      <a:tailEnd type="none" w="med" len="med"/>
+                    </a:lnL>
+                    <a:lnR w="6350" cap="flat" cmpd="sng" algn="ctr">
+                      <a:solidFill>
+                        <a:srgbClr val="000000"/>
+                      </a:solidFill>
+                      <a:prstDash val="solid"/>
+                      <a:round/>
+                      <a:headEnd type="none" w="med" len="med"/>
+                      <a:tailEnd type="none" w="med" len="med"/>
+                    </a:lnR>
+                    <a:lnT w="6350" cap="flat" cmpd="sng" algn="ctr">
+                      <a:solidFill>
+                        <a:srgbClr val="000000"/>
+                      </a:solidFill>
+                      <a:prstDash val="solid"/>
+                      <a:round/>
+                      <a:headEnd type="none" w="med" len="med"/>
+                      <a:tailEnd type="none" w="med" len="med"/>
+                    </a:lnT>
+                    <a:lnB w="6350" cap="flat" cmpd="sng" algn="ctr">
+                      <a:solidFill>
+                        <a:srgbClr val="000000"/>
+                      </a:solidFill>
+                      <a:prstDash val="solid"/>
+                      <a:round/>
+                      <a:headEnd type="none" w="med" len="med"/>
+                      <a:tailEnd type="none" w="med" len="med"/>
+                    </a:lnB>
+                  </a:tcPr>
+                </a:tc>
+                <a:tc>
+                  <a:txBody>
+                    <a:bodyPr/>
+                    <a:lstStyle/>
+                    <a:p>
+                      <a:pPr algn="r" fontAlgn="b"/>
+                      <a:r>
+                        <a:rPr lang="en-IN" sz="1100" b="0" i="0" u="none" strike="noStrike">
+                          <a:solidFill>
+                            <a:srgbClr val="000000"/>
+                          </a:solidFill>
+                          <a:latin typeface="Calibri"/>
+                        </a:rPr>
+                        <a:t>0.321</a:t>
+                      </a:r>
+                    </a:p>
+                  </a:txBody>
+                  <a:tcPr marL="9525" marR="9525" marT="9525" marB="0" anchor="b">
+                    <a:lnL w="6350" cap="flat" cmpd="sng" algn="ctr">
+                      <a:solidFill>
+                        <a:srgbClr val="000000"/>
+                      </a:solidFill>
+                      <a:prstDash val="solid"/>
+                      <a:round/>
+                      <a:headEnd type="none" w="med" len="med"/>
+                      <a:tailEnd type="none" w="med" len="med"/>
+                    </a:lnL>
+                    <a:lnR w="6350" cap="flat" cmpd="sng" algn="ctr">
+                      <a:solidFill>
+                        <a:srgbClr val="000000"/>
+                      </a:solidFill>
+                      <a:prstDash val="solid"/>
+                      <a:round/>
+                      <a:headEnd type="none" w="med" len="med"/>
+                      <a:tailEnd type="none" w="med" len="med"/>
+                    </a:lnR>
+                    <a:lnT w="6350" cap="flat" cmpd="sng" algn="ctr">
+                      <a:solidFill>
+                        <a:srgbClr val="000000"/>
+                      </a:solidFill>
+                      <a:prstDash val="solid"/>
+                      <a:round/>
+                      <a:headEnd type="none" w="med" len="med"/>
+                      <a:tailEnd type="none" w="med" len="med"/>
+                    </a:lnT>
+                    <a:lnB w="6350" cap="flat" cmpd="sng" algn="ctr">
+                      <a:solidFill>
+                        <a:srgbClr val="000000"/>
+                      </a:solidFill>
+                      <a:prstDash val="solid"/>
+                      <a:round/>
+                      <a:headEnd type="none" w="med" len="med"/>
+                      <a:tailEnd type="none" w="med" len="med"/>
+                    </a:lnB>
+                  </a:tcPr>
+                </a:tc>
+              </a:tr>
+              <a:tr h="190500">
+                <a:tc>
+                  <a:txBody>
+                    <a:bodyPr/>
+                    <a:lstStyle/>
+                    <a:p>
+                      <a:pPr algn="l" fontAlgn="b"/>
+                      <a:r>
+                        <a:rPr lang="en-IN" sz="1100" b="1" i="0" u="none" strike="noStrike">
+                          <a:solidFill>
+                            <a:srgbClr val="000000"/>
+                          </a:solidFill>
+                          <a:latin typeface="Calibri"/>
+                        </a:rPr>
+                        <a:t>Local Outlier Factor</a:t>
+                      </a:r>
+                    </a:p>
+                  </a:txBody>
+                  <a:tcPr marL="9525" marR="9525" marT="9525" marB="0" anchor="b">
+                    <a:lnL w="6350" cap="flat" cmpd="sng" algn="ctr">
+                      <a:solidFill>
+                        <a:srgbClr val="000000"/>
+                      </a:solidFill>
+                      <a:prstDash val="solid"/>
+                      <a:round/>
+                      <a:headEnd type="none" w="med" len="med"/>
+                      <a:tailEnd type="none" w="med" len="med"/>
+                    </a:lnL>
+                    <a:lnR w="6350" cap="flat" cmpd="sng" algn="ctr">
+                      <a:solidFill>
+                        <a:srgbClr val="000000"/>
+                      </a:solidFill>
+                      <a:prstDash val="solid"/>
+                      <a:round/>
+                      <a:headEnd type="none" w="med" len="med"/>
+                      <a:tailEnd type="none" w="med" len="med"/>
+                    </a:lnR>
+                    <a:lnT w="6350" cap="flat" cmpd="sng" algn="ctr">
+                      <a:solidFill>
+                        <a:srgbClr val="000000"/>
+                      </a:solidFill>
+                      <a:prstDash val="solid"/>
+                      <a:round/>
+                      <a:headEnd type="none" w="med" len="med"/>
+                      <a:tailEnd type="none" w="med" len="med"/>
+                    </a:lnT>
+                    <a:lnB w="6350" cap="flat" cmpd="sng" algn="ctr">
+                      <a:solidFill>
+                        <a:srgbClr val="000000"/>
+                      </a:solidFill>
+                      <a:prstDash val="solid"/>
+                      <a:round/>
+                      <a:headEnd type="none" w="med" len="med"/>
+                      <a:tailEnd type="none" w="med" len="med"/>
+                    </a:lnB>
+                  </a:tcPr>
+                </a:tc>
+                <a:tc>
+                  <a:txBody>
+                    <a:bodyPr/>
+                    <a:lstStyle/>
+                    <a:p>
+                      <a:pPr algn="r" fontAlgn="b"/>
+                      <a:r>
+                        <a:rPr lang="en-IN" sz="1100" b="0" i="0" u="none" strike="noStrike">
+                          <a:solidFill>
+                            <a:srgbClr val="000000"/>
+                          </a:solidFill>
+                          <a:latin typeface="Calibri"/>
+                        </a:rPr>
+                        <a:t>0.49918</a:t>
+                      </a:r>
+                    </a:p>
+                  </a:txBody>
+                  <a:tcPr marL="9525" marR="9525" marT="9525" marB="0" anchor="b">
+                    <a:lnL w="6350" cap="flat" cmpd="sng" algn="ctr">
+                      <a:solidFill>
+                        <a:srgbClr val="000000"/>
+                      </a:solidFill>
+                      <a:prstDash val="solid"/>
+                      <a:round/>
+                      <a:headEnd type="none" w="med" len="med"/>
+                      <a:tailEnd type="none" w="med" len="med"/>
+                    </a:lnL>
+                    <a:lnR w="6350" cap="flat" cmpd="sng" algn="ctr">
+                      <a:solidFill>
+                        <a:srgbClr val="000000"/>
+                      </a:solidFill>
+                      <a:prstDash val="solid"/>
+                      <a:round/>
+                      <a:headEnd type="none" w="med" len="med"/>
+                      <a:tailEnd type="none" w="med" len="med"/>
+                    </a:lnR>
+                    <a:lnT w="6350" cap="flat" cmpd="sng" algn="ctr">
+                      <a:solidFill>
+                        <a:srgbClr val="000000"/>
+                      </a:solidFill>
+                      <a:prstDash val="solid"/>
+                      <a:round/>
+                      <a:headEnd type="none" w="med" len="med"/>
+                      <a:tailEnd type="none" w="med" len="med"/>
+                    </a:lnT>
+                    <a:lnB w="6350" cap="flat" cmpd="sng" algn="ctr">
+                      <a:solidFill>
+                        <a:srgbClr val="000000"/>
+                      </a:solidFill>
+                      <a:prstDash val="solid"/>
+                      <a:round/>
+                      <a:headEnd type="none" w="med" len="med"/>
+                      <a:tailEnd type="none" w="med" len="med"/>
+                    </a:lnB>
+                  </a:tcPr>
+                </a:tc>
+                <a:tc>
+                  <a:txBody>
+                    <a:bodyPr/>
+                    <a:lstStyle/>
+                    <a:p>
+                      <a:pPr algn="r" fontAlgn="b"/>
+                      <a:r>
+                        <a:rPr lang="en-IN" sz="1100" b="0" i="0" u="none" strike="noStrike">
+                          <a:solidFill>
+                            <a:srgbClr val="000000"/>
+                          </a:solidFill>
+                          <a:latin typeface="Calibri"/>
+                        </a:rPr>
+                        <a:t>0.001</a:t>
+                      </a:r>
+                    </a:p>
+                  </a:txBody>
+                  <a:tcPr marL="9525" marR="9525" marT="9525" marB="0" anchor="b">
+                    <a:lnL w="6350" cap="flat" cmpd="sng" algn="ctr">
+                      <a:solidFill>
+                        <a:srgbClr val="000000"/>
+                      </a:solidFill>
+                      <a:prstDash val="solid"/>
+                      <a:round/>
+                      <a:headEnd type="none" w="med" len="med"/>
+                      <a:tailEnd type="none" w="med" len="med"/>
+                    </a:lnL>
+                    <a:lnR w="6350" cap="flat" cmpd="sng" algn="ctr">
+                      <a:solidFill>
+                        <a:srgbClr val="000000"/>
+                      </a:solidFill>
+                      <a:prstDash val="solid"/>
+                      <a:round/>
+                      <a:headEnd type="none" w="med" len="med"/>
+                      <a:tailEnd type="none" w="med" len="med"/>
+                    </a:lnR>
+                    <a:lnT w="6350" cap="flat" cmpd="sng" algn="ctr">
+                      <a:solidFill>
+                        <a:srgbClr val="000000"/>
+                      </a:solidFill>
+                      <a:prstDash val="solid"/>
+                      <a:round/>
+                      <a:headEnd type="none" w="med" len="med"/>
+                      <a:tailEnd type="none" w="med" len="med"/>
+                    </a:lnT>
+                    <a:lnB w="6350" cap="flat" cmpd="sng" algn="ctr">
+                      <a:solidFill>
+                        <a:srgbClr val="000000"/>
+                      </a:solidFill>
+                      <a:prstDash val="solid"/>
+                      <a:round/>
+                      <a:headEnd type="none" w="med" len="med"/>
+                      <a:tailEnd type="none" w="med" len="med"/>
+                    </a:lnB>
+                  </a:tcPr>
+                </a:tc>
+              </a:tr>
+              <a:tr h="190500">
+                <a:tc>
+                  <a:txBody>
+                    <a:bodyPr/>
+                    <a:lstStyle/>
+                    <a:p>
+                      <a:pPr algn="l" fontAlgn="b"/>
+                      <a:r>
+                        <a:rPr lang="en-IN" sz="1100" b="1" i="0" u="none" strike="noStrike">
+                          <a:solidFill>
+                            <a:srgbClr val="000000"/>
+                          </a:solidFill>
+                          <a:latin typeface="Calibri"/>
+                        </a:rPr>
+                        <a:t>SVM</a:t>
+                      </a:r>
+                    </a:p>
+                  </a:txBody>
+                  <a:tcPr marL="9525" marR="9525" marT="9525" marB="0" anchor="b">
+                    <a:lnL w="6350" cap="flat" cmpd="sng" algn="ctr">
+                      <a:solidFill>
+                        <a:srgbClr val="000000"/>
+                      </a:solidFill>
+                      <a:prstDash val="solid"/>
+                      <a:round/>
+                      <a:headEnd type="none" w="med" len="med"/>
+                      <a:tailEnd type="none" w="med" len="med"/>
+                    </a:lnL>
+                    <a:lnR w="6350" cap="flat" cmpd="sng" algn="ctr">
+                      <a:solidFill>
+                        <a:srgbClr val="000000"/>
+                      </a:solidFill>
+                      <a:prstDash val="solid"/>
+                      <a:round/>
+                      <a:headEnd type="none" w="med" len="med"/>
+                      <a:tailEnd type="none" w="med" len="med"/>
+                    </a:lnR>
+                    <a:lnT w="6350" cap="flat" cmpd="sng" algn="ctr">
+                      <a:solidFill>
+                        <a:srgbClr val="000000"/>
+                      </a:solidFill>
+                      <a:prstDash val="solid"/>
+                      <a:round/>
+                      <a:headEnd type="none" w="med" len="med"/>
+                      <a:tailEnd type="none" w="med" len="med"/>
+                    </a:lnT>
+                    <a:lnB w="6350" cap="flat" cmpd="sng" algn="ctr">
+                      <a:solidFill>
+                        <a:srgbClr val="000000"/>
+                      </a:solidFill>
+                      <a:prstDash val="solid"/>
+                      <a:round/>
+                      <a:headEnd type="none" w="med" len="med"/>
+                      <a:tailEnd type="none" w="med" len="med"/>
+                    </a:lnB>
+                  </a:tcPr>
+                </a:tc>
+                <a:tc>
+                  <a:txBody>
+                    <a:bodyPr/>
+                    <a:lstStyle/>
+                    <a:p>
+                      <a:pPr algn="r" fontAlgn="b"/>
+                      <a:r>
+                        <a:rPr lang="en-IN" sz="1100" b="0" i="0" u="none" strike="noStrike">
+                          <a:solidFill>
+                            <a:srgbClr val="000000"/>
+                          </a:solidFill>
+                          <a:latin typeface="Calibri"/>
+                        </a:rPr>
+                        <a:t>0.500234</a:t>
+                      </a:r>
+                    </a:p>
+                  </a:txBody>
+                  <a:tcPr marL="9525" marR="9525" marT="9525" marB="0" anchor="b">
+                    <a:lnL w="6350" cap="flat" cmpd="sng" algn="ctr">
+                      <a:solidFill>
+                        <a:srgbClr val="000000"/>
+                      </a:solidFill>
+                      <a:prstDash val="solid"/>
+                      <a:round/>
+                      <a:headEnd type="none" w="med" len="med"/>
+                      <a:tailEnd type="none" w="med" len="med"/>
+                    </a:lnL>
+                    <a:lnR w="6350" cap="flat" cmpd="sng" algn="ctr">
+                      <a:solidFill>
+                        <a:srgbClr val="000000"/>
+                      </a:solidFill>
+                      <a:prstDash val="solid"/>
+                      <a:round/>
+                      <a:headEnd type="none" w="med" len="med"/>
+                      <a:tailEnd type="none" w="med" len="med"/>
+                    </a:lnR>
+                    <a:lnT w="6350" cap="flat" cmpd="sng" algn="ctr">
+                      <a:solidFill>
+                        <a:srgbClr val="000000"/>
+                      </a:solidFill>
+                      <a:prstDash val="solid"/>
+                      <a:round/>
+                      <a:headEnd type="none" w="med" len="med"/>
+                      <a:tailEnd type="none" w="med" len="med"/>
+                    </a:lnT>
+                    <a:lnB w="6350" cap="flat" cmpd="sng" algn="ctr">
+                      <a:solidFill>
+                        <a:srgbClr val="000000"/>
+                      </a:solidFill>
+                      <a:prstDash val="solid"/>
+                      <a:round/>
+                      <a:headEnd type="none" w="med" len="med"/>
+                      <a:tailEnd type="none" w="med" len="med"/>
+                    </a:lnB>
+                  </a:tcPr>
+                </a:tc>
+                <a:tc>
+                  <a:txBody>
+                    <a:bodyPr/>
+                    <a:lstStyle/>
+                    <a:p>
+                      <a:pPr algn="r" fontAlgn="b"/>
+                      <a:r>
+                        <a:rPr lang="en-IN" sz="1100" b="0" i="0" u="none" strike="noStrike" dirty="0">
+                          <a:solidFill>
+                            <a:srgbClr val="000000"/>
+                          </a:solidFill>
+                          <a:latin typeface="Calibri"/>
+                        </a:rPr>
+                        <a:t>0.501</a:t>
+                      </a:r>
+                    </a:p>
+                  </a:txBody>
+                  <a:tcPr marL="9525" marR="9525" marT="9525" marB="0" anchor="b">
+                    <a:lnL w="6350" cap="flat" cmpd="sng" algn="ctr">
+                      <a:solidFill>
+                        <a:srgbClr val="000000"/>
+                      </a:solidFill>
+                      <a:prstDash val="solid"/>
+                      <a:round/>
+                      <a:headEnd type="none" w="med" len="med"/>
+                      <a:tailEnd type="none" w="med" len="med"/>
+                    </a:lnL>
+                    <a:lnR w="6350" cap="flat" cmpd="sng" algn="ctr">
+                      <a:solidFill>
+                        <a:srgbClr val="000000"/>
+                      </a:solidFill>
+                      <a:prstDash val="solid"/>
+                      <a:round/>
+                      <a:headEnd type="none" w="med" len="med"/>
+                      <a:tailEnd type="none" w="med" len="med"/>
+                    </a:lnR>
+                    <a:lnT w="6350" cap="flat" cmpd="sng" algn="ctr">
+                      <a:solidFill>
+                        <a:srgbClr val="000000"/>
+                      </a:solidFill>
+                      <a:prstDash val="solid"/>
+                      <a:round/>
+                      <a:headEnd type="none" w="med" len="med"/>
+                      <a:tailEnd type="none" w="med" len="med"/>
+                    </a:lnT>
+                    <a:lnB w="6350" cap="flat" cmpd="sng" algn="ctr">
+                      <a:solidFill>
+                        <a:srgbClr val="000000"/>
+                      </a:solidFill>
+                      <a:prstDash val="solid"/>
+                      <a:round/>
+                      <a:headEnd type="none" w="med" len="med"/>
+                      <a:tailEnd type="none" w="med" len="med"/>
+                    </a:lnB>
+                  </a:tcPr>
+                </a:tc>
+              </a:tr>
+            </a:tbl>
+          </a:graphicData>
+        </a:graphic>
+      </p:graphicFrame>
+      <p:pic>
+        <p:nvPicPr>
+          <p:cNvPr id="1026" name="Picture 2"/>
+          <p:cNvPicPr>
+            <a:picLocks noChangeAspect="1" noChangeArrowheads="1"/>
+          </p:cNvPicPr>
+          <p:nvPr/>
+        </p:nvPicPr>
+        <p:blipFill>
+          <a:blip r:embed="rId8"/>
+          <a:srcRect/>
+          <a:stretch>
+            <a:fillRect/>
+          </a:stretch>
+        </p:blipFill>
+        <p:spPr bwMode="auto">
+          <a:xfrm>
+            <a:off x="3786182" y="2928940"/>
+            <a:ext cx="2504643" cy="928688"/>
+          </a:xfrm>
+          <a:prstGeom prst="rect">
+            <a:avLst/>
+          </a:prstGeom>
+          <a:noFill/>
+          <a:ln w="9525">
+            <a:noFill/>
+            <a:miter lim="800000"/>
+            <a:headEnd/>
+            <a:tailEnd/>
+          </a:ln>
+          <a:effectLst/>
+        </p:spPr>
+      </p:pic>
+      <p:pic>
+        <p:nvPicPr>
+          <p:cNvPr id="1027" name="Picture 3"/>
+          <p:cNvPicPr>
+            <a:picLocks noChangeAspect="1" noChangeArrowheads="1"/>
+          </p:cNvPicPr>
+          <p:nvPr/>
+        </p:nvPicPr>
+        <p:blipFill>
+          <a:blip r:embed="rId9"/>
+          <a:srcRect/>
+          <a:stretch>
+            <a:fillRect/>
+          </a:stretch>
+        </p:blipFill>
+        <p:spPr bwMode="auto">
+          <a:xfrm>
+            <a:off x="3714744" y="4071948"/>
+            <a:ext cx="2793984" cy="947739"/>
+          </a:xfrm>
+          <a:prstGeom prst="rect">
+            <a:avLst/>
+          </a:prstGeom>
+          <a:noFill/>
+          <a:ln w="9525">
+            <a:noFill/>
+            <a:miter lim="800000"/>
+            <a:headEnd/>
+            <a:tailEnd/>
+          </a:ln>
+          <a:effectLst/>
+        </p:spPr>
+      </p:pic>
     </p:spTree>
   </p:cSld>
   <p:clrMapOvr>
